--- a/随笔记录/新建 Microsoft PowerPoint 演示文稿.pptx
+++ b/随笔记录/新建 Microsoft PowerPoint 演示文稿.pptx
@@ -10,6 +10,7 @@
     <p:sldId id="258" r:id="rId4"/>
     <p:sldId id="259" r:id="rId5"/>
     <p:sldId id="260" r:id="rId6"/>
+    <p:sldId id="261" r:id="rId7"/>
   </p:sldIdLst>
   <p:sldSz cx="12192000" cy="6858000"/>
   <p:notesSz cx="6858000" cy="9144000"/>
@@ -247,7 +248,7 @@
           <a:p>
             <a:fld id="{6C2F3949-D85F-4C79-9223-40F28D668AF9}" type="datetimeFigureOut">
               <a:rPr lang="zh-CN" altLang="en-US" smtClean="0"/>
-              <a:t>2020/4/23</a:t>
+              <a:t>2020/4/28</a:t>
             </a:fld>
             <a:endParaRPr lang="zh-CN" altLang="en-US"/>
           </a:p>
@@ -417,7 +418,7 @@
           <a:p>
             <a:fld id="{6C2F3949-D85F-4C79-9223-40F28D668AF9}" type="datetimeFigureOut">
               <a:rPr lang="zh-CN" altLang="en-US" smtClean="0"/>
-              <a:t>2020/4/23</a:t>
+              <a:t>2020/4/28</a:t>
             </a:fld>
             <a:endParaRPr lang="zh-CN" altLang="en-US"/>
           </a:p>
@@ -597,7 +598,7 @@
           <a:p>
             <a:fld id="{6C2F3949-D85F-4C79-9223-40F28D668AF9}" type="datetimeFigureOut">
               <a:rPr lang="zh-CN" altLang="en-US" smtClean="0"/>
-              <a:t>2020/4/23</a:t>
+              <a:t>2020/4/28</a:t>
             </a:fld>
             <a:endParaRPr lang="zh-CN" altLang="en-US"/>
           </a:p>
@@ -767,7 +768,7 @@
           <a:p>
             <a:fld id="{6C2F3949-D85F-4C79-9223-40F28D668AF9}" type="datetimeFigureOut">
               <a:rPr lang="zh-CN" altLang="en-US" smtClean="0"/>
-              <a:t>2020/4/23</a:t>
+              <a:t>2020/4/28</a:t>
             </a:fld>
             <a:endParaRPr lang="zh-CN" altLang="en-US"/>
           </a:p>
@@ -1013,7 +1014,7 @@
           <a:p>
             <a:fld id="{6C2F3949-D85F-4C79-9223-40F28D668AF9}" type="datetimeFigureOut">
               <a:rPr lang="zh-CN" altLang="en-US" smtClean="0"/>
-              <a:t>2020/4/23</a:t>
+              <a:t>2020/4/28</a:t>
             </a:fld>
             <a:endParaRPr lang="zh-CN" altLang="en-US"/>
           </a:p>
@@ -1245,7 +1246,7 @@
           <a:p>
             <a:fld id="{6C2F3949-D85F-4C79-9223-40F28D668AF9}" type="datetimeFigureOut">
               <a:rPr lang="zh-CN" altLang="en-US" smtClean="0"/>
-              <a:t>2020/4/23</a:t>
+              <a:t>2020/4/28</a:t>
             </a:fld>
             <a:endParaRPr lang="zh-CN" altLang="en-US"/>
           </a:p>
@@ -1612,7 +1613,7 @@
           <a:p>
             <a:fld id="{6C2F3949-D85F-4C79-9223-40F28D668AF9}" type="datetimeFigureOut">
               <a:rPr lang="zh-CN" altLang="en-US" smtClean="0"/>
-              <a:t>2020/4/23</a:t>
+              <a:t>2020/4/28</a:t>
             </a:fld>
             <a:endParaRPr lang="zh-CN" altLang="en-US"/>
           </a:p>
@@ -1730,7 +1731,7 @@
           <a:p>
             <a:fld id="{6C2F3949-D85F-4C79-9223-40F28D668AF9}" type="datetimeFigureOut">
               <a:rPr lang="zh-CN" altLang="en-US" smtClean="0"/>
-              <a:t>2020/4/23</a:t>
+              <a:t>2020/4/28</a:t>
             </a:fld>
             <a:endParaRPr lang="zh-CN" altLang="en-US"/>
           </a:p>
@@ -1825,7 +1826,7 @@
           <a:p>
             <a:fld id="{6C2F3949-D85F-4C79-9223-40F28D668AF9}" type="datetimeFigureOut">
               <a:rPr lang="zh-CN" altLang="en-US" smtClean="0"/>
-              <a:t>2020/4/23</a:t>
+              <a:t>2020/4/28</a:t>
             </a:fld>
             <a:endParaRPr lang="zh-CN" altLang="en-US"/>
           </a:p>
@@ -2102,7 +2103,7 @@
           <a:p>
             <a:fld id="{6C2F3949-D85F-4C79-9223-40F28D668AF9}" type="datetimeFigureOut">
               <a:rPr lang="zh-CN" altLang="en-US" smtClean="0"/>
-              <a:t>2020/4/23</a:t>
+              <a:t>2020/4/28</a:t>
             </a:fld>
             <a:endParaRPr lang="zh-CN" altLang="en-US"/>
           </a:p>
@@ -2355,7 +2356,7 @@
           <a:p>
             <a:fld id="{6C2F3949-D85F-4C79-9223-40F28D668AF9}" type="datetimeFigureOut">
               <a:rPr lang="zh-CN" altLang="en-US" smtClean="0"/>
-              <a:t>2020/4/23</a:t>
+              <a:t>2020/4/28</a:t>
             </a:fld>
             <a:endParaRPr lang="zh-CN" altLang="en-US"/>
           </a:p>
@@ -2568,7 +2569,7 @@
           <a:p>
             <a:fld id="{6C2F3949-D85F-4C79-9223-40F28D668AF9}" type="datetimeFigureOut">
               <a:rPr lang="zh-CN" altLang="en-US" smtClean="0"/>
-              <a:t>2020/4/23</a:t>
+              <a:t>2020/4/28</a:t>
             </a:fld>
             <a:endParaRPr lang="zh-CN" altLang="en-US"/>
           </a:p>
@@ -3750,6 +3751,373 @@
 </p:sld>
 </file>
 
+<file path=ppt/slides/slide6.xml><?xml version="1.0" encoding="utf-8"?>
+<p:sld xmlns:a="http://schemas.openxmlformats.org/drawingml/2006/main" xmlns:r="http://schemas.openxmlformats.org/officeDocument/2006/relationships" xmlns:p="http://schemas.openxmlformats.org/presentationml/2006/main">
+  <p:cSld>
+    <p:spTree>
+      <p:nvGrpSpPr>
+        <p:cNvPr id="1" name=""/>
+        <p:cNvGrpSpPr/>
+        <p:nvPr/>
+      </p:nvGrpSpPr>
+      <p:grpSpPr>
+        <a:xfrm>
+          <a:off x="0" y="0"/>
+          <a:ext cx="0" cy="0"/>
+          <a:chOff x="0" y="0"/>
+          <a:chExt cx="0" cy="0"/>
+        </a:xfrm>
+      </p:grpSpPr>
+      <p:grpSp>
+        <p:nvGrpSpPr>
+          <p:cNvPr id="15" name="组合 14"/>
+          <p:cNvGrpSpPr/>
+          <p:nvPr/>
+        </p:nvGrpSpPr>
+        <p:grpSpPr>
+          <a:xfrm>
+            <a:off x="5089108" y="1138365"/>
+            <a:ext cx="4893616" cy="1387366"/>
+            <a:chOff x="2642301" y="763051"/>
+            <a:chExt cx="4893616" cy="1387366"/>
+          </a:xfrm>
+        </p:grpSpPr>
+        <p:sp>
+          <p:nvSpPr>
+            <p:cNvPr id="8" name="矩形 7"/>
+            <p:cNvSpPr/>
+            <p:nvPr/>
+          </p:nvSpPr>
+          <p:spPr>
+            <a:xfrm>
+              <a:off x="2642301" y="763051"/>
+              <a:ext cx="4893616" cy="1387366"/>
+            </a:xfrm>
+            <a:prstGeom prst="rect">
+              <a:avLst/>
+            </a:prstGeom>
+            <a:solidFill>
+              <a:schemeClr val="tx1"/>
+            </a:solidFill>
+            <a:ln>
+              <a:noFill/>
+            </a:ln>
+          </p:spPr>
+          <p:style>
+            <a:lnRef idx="2">
+              <a:schemeClr val="accent1">
+                <a:shade val="50000"/>
+              </a:schemeClr>
+            </a:lnRef>
+            <a:fillRef idx="1">
+              <a:schemeClr val="accent1"/>
+            </a:fillRef>
+            <a:effectRef idx="0">
+              <a:schemeClr val="accent1"/>
+            </a:effectRef>
+            <a:fontRef idx="minor">
+              <a:schemeClr val="lt1"/>
+            </a:fontRef>
+          </p:style>
+          <p:txBody>
+            <a:bodyPr rtlCol="0" anchor="ctr"/>
+            <a:lstStyle/>
+            <a:p>
+              <a:pPr algn="ctr"/>
+              <a:endParaRPr lang="zh-CN" altLang="en-US">
+                <a:solidFill>
+                  <a:schemeClr val="tx1"/>
+                </a:solidFill>
+              </a:endParaRPr>
+            </a:p>
+          </p:txBody>
+        </p:sp>
+        <p:sp>
+          <p:nvSpPr>
+            <p:cNvPr id="9" name="矩形 8"/>
+            <p:cNvSpPr/>
+            <p:nvPr/>
+          </p:nvSpPr>
+          <p:spPr>
+            <a:xfrm>
+              <a:off x="3070768" y="995069"/>
+              <a:ext cx="4036681" cy="923330"/>
+            </a:xfrm>
+            <a:prstGeom prst="rect">
+              <a:avLst/>
+            </a:prstGeom>
+            <a:noFill/>
+          </p:spPr>
+          <p:txBody>
+            <a:bodyPr wrap="none" lIns="91440" tIns="45720" rIns="91440" bIns="45720">
+              <a:spAutoFit/>
+            </a:bodyPr>
+            <a:lstStyle/>
+            <a:p>
+              <a:pPr algn="ctr"/>
+              <a:r>
+                <a:rPr lang="en-US" altLang="zh-CN" sz="5400" b="1" dirty="0" smtClean="0">
+                  <a:ln w="9525">
+                    <a:solidFill>
+                      <a:schemeClr val="bg1"/>
+                    </a:solidFill>
+                    <a:prstDash val="solid"/>
+                  </a:ln>
+                  <a:solidFill>
+                    <a:schemeClr val="bg1"/>
+                  </a:solidFill>
+                  <a:effectLst>
+                    <a:outerShdw blurRad="12700" dist="38100" dir="2700000" algn="tl" rotWithShape="0">
+                      <a:schemeClr val="accent5">
+                        <a:lumMod val="60000"/>
+                        <a:lumOff val="40000"/>
+                      </a:schemeClr>
+                    </a:outerShdw>
+                  </a:effectLst>
+                  <a:latin typeface="Edwardian Script ITC" panose="030303020407070D0804" pitchFamily="66" charset="0"/>
+                </a:rPr>
+                <a:t>Catch me if you can</a:t>
+              </a:r>
+              <a:endParaRPr lang="zh-CN" altLang="en-US" sz="5400" b="1" cap="none" spc="0" dirty="0">
+                <a:ln w="9525">
+                  <a:solidFill>
+                    <a:schemeClr val="bg1"/>
+                  </a:solidFill>
+                  <a:prstDash val="solid"/>
+                </a:ln>
+                <a:solidFill>
+                  <a:schemeClr val="bg1"/>
+                </a:solidFill>
+                <a:effectLst>
+                  <a:outerShdw blurRad="12700" dist="38100" dir="2700000" algn="tl" rotWithShape="0">
+                    <a:schemeClr val="accent5">
+                      <a:lumMod val="60000"/>
+                      <a:lumOff val="40000"/>
+                    </a:schemeClr>
+                  </a:outerShdw>
+                </a:effectLst>
+                <a:latin typeface="Edwardian Script ITC" panose="030303020407070D0804" pitchFamily="66" charset="0"/>
+              </a:endParaRPr>
+            </a:p>
+          </p:txBody>
+        </p:sp>
+      </p:grpSp>
+      <p:grpSp>
+        <p:nvGrpSpPr>
+          <p:cNvPr id="17" name="组合 16"/>
+          <p:cNvGrpSpPr/>
+          <p:nvPr/>
+        </p:nvGrpSpPr>
+        <p:grpSpPr>
+          <a:xfrm>
+            <a:off x="3561996" y="3678700"/>
+            <a:ext cx="4893616" cy="1387366"/>
+            <a:chOff x="4660641" y="3446688"/>
+            <a:chExt cx="4893616" cy="1387366"/>
+          </a:xfrm>
+        </p:grpSpPr>
+        <p:sp>
+          <p:nvSpPr>
+            <p:cNvPr id="10" name="矩形 9"/>
+            <p:cNvSpPr/>
+            <p:nvPr/>
+          </p:nvSpPr>
+          <p:spPr>
+            <a:xfrm>
+              <a:off x="4660641" y="3446688"/>
+              <a:ext cx="4893616" cy="1387366"/>
+            </a:xfrm>
+            <a:prstGeom prst="rect">
+              <a:avLst/>
+            </a:prstGeom>
+            <a:solidFill>
+              <a:schemeClr val="bg1"/>
+            </a:solidFill>
+            <a:ln>
+              <a:noFill/>
+            </a:ln>
+          </p:spPr>
+          <p:style>
+            <a:lnRef idx="2">
+              <a:schemeClr val="accent1">
+                <a:shade val="50000"/>
+              </a:schemeClr>
+            </a:lnRef>
+            <a:fillRef idx="1">
+              <a:schemeClr val="accent1"/>
+            </a:fillRef>
+            <a:effectRef idx="0">
+              <a:schemeClr val="accent1"/>
+            </a:effectRef>
+            <a:fontRef idx="minor">
+              <a:schemeClr val="lt1"/>
+            </a:fontRef>
+          </p:style>
+          <p:txBody>
+            <a:bodyPr rtlCol="0" anchor="ctr"/>
+            <a:lstStyle/>
+            <a:p>
+              <a:pPr algn="ctr"/>
+              <a:endParaRPr lang="zh-CN" altLang="en-US">
+                <a:solidFill>
+                  <a:schemeClr val="tx1"/>
+                </a:solidFill>
+              </a:endParaRPr>
+            </a:p>
+          </p:txBody>
+        </p:sp>
+        <p:sp>
+          <p:nvSpPr>
+            <p:cNvPr id="11" name="矩形 10"/>
+            <p:cNvSpPr/>
+            <p:nvPr/>
+          </p:nvSpPr>
+          <p:spPr>
+            <a:xfrm>
+              <a:off x="5089108" y="3678706"/>
+              <a:ext cx="4036681" cy="923330"/>
+            </a:xfrm>
+            <a:prstGeom prst="rect">
+              <a:avLst/>
+            </a:prstGeom>
+            <a:noFill/>
+          </p:spPr>
+          <p:txBody>
+            <a:bodyPr wrap="none" lIns="91440" tIns="45720" rIns="91440" bIns="45720">
+              <a:spAutoFit/>
+            </a:bodyPr>
+            <a:lstStyle/>
+            <a:p>
+              <a:pPr algn="ctr"/>
+              <a:r>
+                <a:rPr lang="en-US" altLang="zh-CN" sz="5400" b="1" dirty="0" smtClean="0">
+                  <a:ln w="9525">
+                    <a:solidFill>
+                      <a:schemeClr val="bg1"/>
+                    </a:solidFill>
+                    <a:prstDash val="solid"/>
+                  </a:ln>
+                  <a:solidFill>
+                    <a:srgbClr val="FFFF00"/>
+                  </a:solidFill>
+                  <a:effectLst>
+                    <a:outerShdw blurRad="12700" dist="38100" dir="2700000" algn="tl" rotWithShape="0">
+                      <a:schemeClr val="accent5">
+                        <a:lumMod val="60000"/>
+                        <a:lumOff val="40000"/>
+                      </a:schemeClr>
+                    </a:outerShdw>
+                  </a:effectLst>
+                  <a:latin typeface="Edwardian Script ITC" panose="030303020407070D0804" pitchFamily="66" charset="0"/>
+                </a:rPr>
+                <a:t>Catch </a:t>
+              </a:r>
+              <a:r>
+                <a:rPr lang="en-US" altLang="zh-CN" sz="5400" b="1" dirty="0" smtClean="0">
+                  <a:ln w="9525">
+                    <a:solidFill>
+                      <a:schemeClr val="bg1"/>
+                    </a:solidFill>
+                    <a:prstDash val="solid"/>
+                  </a:ln>
+                  <a:solidFill>
+                    <a:srgbClr val="CC6600"/>
+                  </a:solidFill>
+                  <a:effectLst>
+                    <a:outerShdw blurRad="12700" dist="38100" dir="2700000" algn="tl" rotWithShape="0">
+                      <a:schemeClr val="accent5">
+                        <a:lumMod val="60000"/>
+                        <a:lumOff val="40000"/>
+                      </a:schemeClr>
+                    </a:outerShdw>
+                  </a:effectLst>
+                  <a:latin typeface="Edwardian Script ITC" panose="030303020407070D0804" pitchFamily="66" charset="0"/>
+                </a:rPr>
+                <a:t>me</a:t>
+              </a:r>
+              <a:r>
+                <a:rPr lang="en-US" altLang="zh-CN" sz="5400" b="1" dirty="0" smtClean="0">
+                  <a:ln w="9525">
+                    <a:solidFill>
+                      <a:schemeClr val="bg1"/>
+                    </a:solidFill>
+                    <a:prstDash val="solid"/>
+                  </a:ln>
+                  <a:solidFill>
+                    <a:srgbClr val="FFC000"/>
+                  </a:solidFill>
+                  <a:effectLst>
+                    <a:outerShdw blurRad="12700" dist="38100" dir="2700000" algn="tl" rotWithShape="0">
+                      <a:schemeClr val="accent5">
+                        <a:lumMod val="60000"/>
+                        <a:lumOff val="40000"/>
+                      </a:schemeClr>
+                    </a:outerShdw>
+                  </a:effectLst>
+                  <a:latin typeface="Edwardian Script ITC" panose="030303020407070D0804" pitchFamily="66" charset="0"/>
+                </a:rPr>
+                <a:t> </a:t>
+              </a:r>
+              <a:r>
+                <a:rPr lang="en-US" altLang="zh-CN" sz="5400" b="1" dirty="0" smtClean="0">
+                  <a:ln w="9525">
+                    <a:solidFill>
+                      <a:schemeClr val="bg1"/>
+                    </a:solidFill>
+                    <a:prstDash val="solid"/>
+                  </a:ln>
+                  <a:solidFill>
+                    <a:srgbClr val="FFFF00"/>
+                  </a:solidFill>
+                  <a:effectLst>
+                    <a:outerShdw blurRad="12700" dist="38100" dir="2700000" algn="tl" rotWithShape="0">
+                      <a:schemeClr val="accent5">
+                        <a:lumMod val="60000"/>
+                        <a:lumOff val="40000"/>
+                      </a:schemeClr>
+                    </a:outerShdw>
+                  </a:effectLst>
+                  <a:latin typeface="Edwardian Script ITC" panose="030303020407070D0804" pitchFamily="66" charset="0"/>
+                </a:rPr>
+                <a:t>if you can</a:t>
+              </a:r>
+              <a:endParaRPr lang="zh-CN" altLang="en-US" sz="5400" b="1" cap="none" spc="0" dirty="0">
+                <a:ln w="9525">
+                  <a:solidFill>
+                    <a:schemeClr val="bg1"/>
+                  </a:solidFill>
+                  <a:prstDash val="solid"/>
+                </a:ln>
+                <a:solidFill>
+                  <a:srgbClr val="FFFF00"/>
+                </a:solidFill>
+                <a:effectLst>
+                  <a:outerShdw blurRad="12700" dist="38100" dir="2700000" algn="tl" rotWithShape="0">
+                    <a:schemeClr val="accent5">
+                      <a:lumMod val="60000"/>
+                      <a:lumOff val="40000"/>
+                    </a:schemeClr>
+                  </a:outerShdw>
+                </a:effectLst>
+                <a:latin typeface="Edwardian Script ITC" panose="030303020407070D0804" pitchFamily="66" charset="0"/>
+              </a:endParaRPr>
+            </a:p>
+          </p:txBody>
+        </p:sp>
+      </p:grpSp>
+    </p:spTree>
+    <p:extLst>
+      <p:ext uri="{BB962C8B-B14F-4D97-AF65-F5344CB8AC3E}">
+        <p14:creationId xmlns:p14="http://schemas.microsoft.com/office/powerpoint/2010/main" val="923843226"/>
+      </p:ext>
+    </p:extLst>
+  </p:cSld>
+  <p:clrMapOvr>
+    <a:masterClrMapping/>
+  </p:clrMapOvr>
+</p:sld>
+</file>
+
 <file path=ppt/theme/theme1.xml><?xml version="1.0" encoding="utf-8"?>
 <a:theme xmlns:a="http://schemas.openxmlformats.org/drawingml/2006/main" name="Office 主题">
   <a:themeElements>

--- a/随笔记录/新建 Microsoft PowerPoint 演示文稿.pptx
+++ b/随笔记录/新建 Microsoft PowerPoint 演示文稿.pptx
@@ -11,6 +11,9 @@
     <p:sldId id="259" r:id="rId5"/>
     <p:sldId id="260" r:id="rId6"/>
     <p:sldId id="261" r:id="rId7"/>
+    <p:sldId id="263" r:id="rId8"/>
+    <p:sldId id="262" r:id="rId9"/>
+    <p:sldId id="264" r:id="rId10"/>
   </p:sldIdLst>
   <p:sldSz cx="12192000" cy="6858000"/>
   <p:notesSz cx="6858000" cy="9144000"/>
@@ -248,7 +251,7 @@
           <a:p>
             <a:fld id="{6C2F3949-D85F-4C79-9223-40F28D668AF9}" type="datetimeFigureOut">
               <a:rPr lang="zh-CN" altLang="en-US" smtClean="0"/>
-              <a:t>2020/4/28</a:t>
+              <a:t>2020/5/31</a:t>
             </a:fld>
             <a:endParaRPr lang="zh-CN" altLang="en-US"/>
           </a:p>
@@ -418,7 +421,7 @@
           <a:p>
             <a:fld id="{6C2F3949-D85F-4C79-9223-40F28D668AF9}" type="datetimeFigureOut">
               <a:rPr lang="zh-CN" altLang="en-US" smtClean="0"/>
-              <a:t>2020/4/28</a:t>
+              <a:t>2020/5/31</a:t>
             </a:fld>
             <a:endParaRPr lang="zh-CN" altLang="en-US"/>
           </a:p>
@@ -598,7 +601,7 @@
           <a:p>
             <a:fld id="{6C2F3949-D85F-4C79-9223-40F28D668AF9}" type="datetimeFigureOut">
               <a:rPr lang="zh-CN" altLang="en-US" smtClean="0"/>
-              <a:t>2020/4/28</a:t>
+              <a:t>2020/5/31</a:t>
             </a:fld>
             <a:endParaRPr lang="zh-CN" altLang="en-US"/>
           </a:p>
@@ -768,7 +771,7 @@
           <a:p>
             <a:fld id="{6C2F3949-D85F-4C79-9223-40F28D668AF9}" type="datetimeFigureOut">
               <a:rPr lang="zh-CN" altLang="en-US" smtClean="0"/>
-              <a:t>2020/4/28</a:t>
+              <a:t>2020/5/31</a:t>
             </a:fld>
             <a:endParaRPr lang="zh-CN" altLang="en-US"/>
           </a:p>
@@ -1014,7 +1017,7 @@
           <a:p>
             <a:fld id="{6C2F3949-D85F-4C79-9223-40F28D668AF9}" type="datetimeFigureOut">
               <a:rPr lang="zh-CN" altLang="en-US" smtClean="0"/>
-              <a:t>2020/4/28</a:t>
+              <a:t>2020/5/31</a:t>
             </a:fld>
             <a:endParaRPr lang="zh-CN" altLang="en-US"/>
           </a:p>
@@ -1246,7 +1249,7 @@
           <a:p>
             <a:fld id="{6C2F3949-D85F-4C79-9223-40F28D668AF9}" type="datetimeFigureOut">
               <a:rPr lang="zh-CN" altLang="en-US" smtClean="0"/>
-              <a:t>2020/4/28</a:t>
+              <a:t>2020/5/31</a:t>
             </a:fld>
             <a:endParaRPr lang="zh-CN" altLang="en-US"/>
           </a:p>
@@ -1613,7 +1616,7 @@
           <a:p>
             <a:fld id="{6C2F3949-D85F-4C79-9223-40F28D668AF9}" type="datetimeFigureOut">
               <a:rPr lang="zh-CN" altLang="en-US" smtClean="0"/>
-              <a:t>2020/4/28</a:t>
+              <a:t>2020/5/31</a:t>
             </a:fld>
             <a:endParaRPr lang="zh-CN" altLang="en-US"/>
           </a:p>
@@ -1731,7 +1734,7 @@
           <a:p>
             <a:fld id="{6C2F3949-D85F-4C79-9223-40F28D668AF9}" type="datetimeFigureOut">
               <a:rPr lang="zh-CN" altLang="en-US" smtClean="0"/>
-              <a:t>2020/4/28</a:t>
+              <a:t>2020/5/31</a:t>
             </a:fld>
             <a:endParaRPr lang="zh-CN" altLang="en-US"/>
           </a:p>
@@ -1826,7 +1829,7 @@
           <a:p>
             <a:fld id="{6C2F3949-D85F-4C79-9223-40F28D668AF9}" type="datetimeFigureOut">
               <a:rPr lang="zh-CN" altLang="en-US" smtClean="0"/>
-              <a:t>2020/4/28</a:t>
+              <a:t>2020/5/31</a:t>
             </a:fld>
             <a:endParaRPr lang="zh-CN" altLang="en-US"/>
           </a:p>
@@ -2103,7 +2106,7 @@
           <a:p>
             <a:fld id="{6C2F3949-D85F-4C79-9223-40F28D668AF9}" type="datetimeFigureOut">
               <a:rPr lang="zh-CN" altLang="en-US" smtClean="0"/>
-              <a:t>2020/4/28</a:t>
+              <a:t>2020/5/31</a:t>
             </a:fld>
             <a:endParaRPr lang="zh-CN" altLang="en-US"/>
           </a:p>
@@ -2356,7 +2359,7 @@
           <a:p>
             <a:fld id="{6C2F3949-D85F-4C79-9223-40F28D668AF9}" type="datetimeFigureOut">
               <a:rPr lang="zh-CN" altLang="en-US" smtClean="0"/>
-              <a:t>2020/4/28</a:t>
+              <a:t>2020/5/31</a:t>
             </a:fld>
             <a:endParaRPr lang="zh-CN" altLang="en-US"/>
           </a:p>
@@ -2569,7 +2572,7 @@
           <a:p>
             <a:fld id="{6C2F3949-D85F-4C79-9223-40F28D668AF9}" type="datetimeFigureOut">
               <a:rPr lang="zh-CN" altLang="en-US" smtClean="0"/>
-              <a:t>2020/4/28</a:t>
+              <a:t>2020/5/31</a:t>
             </a:fld>
             <a:endParaRPr lang="zh-CN" altLang="en-US"/>
           </a:p>
@@ -4118,6 +4121,2457 @@
 </p:sld>
 </file>
 
+<file path=ppt/slides/slide7.xml><?xml version="1.0" encoding="utf-8"?>
+<p:sld xmlns:a="http://schemas.openxmlformats.org/drawingml/2006/main" xmlns:r="http://schemas.openxmlformats.org/officeDocument/2006/relationships" xmlns:p="http://schemas.openxmlformats.org/presentationml/2006/main">
+  <p:cSld>
+    <p:spTree>
+      <p:nvGrpSpPr>
+        <p:cNvPr id="1" name=""/>
+        <p:cNvGrpSpPr/>
+        <p:nvPr/>
+      </p:nvGrpSpPr>
+      <p:grpSpPr>
+        <a:xfrm>
+          <a:off x="0" y="0"/>
+          <a:ext cx="0" cy="0"/>
+          <a:chOff x="0" y="0"/>
+          <a:chExt cx="0" cy="0"/>
+        </a:xfrm>
+      </p:grpSpPr>
+      <p:grpSp>
+        <p:nvGrpSpPr>
+          <p:cNvPr id="15" name="组合 14"/>
+          <p:cNvGrpSpPr/>
+          <p:nvPr/>
+        </p:nvGrpSpPr>
+        <p:grpSpPr>
+          <a:xfrm>
+            <a:off x="7271338" y="2098359"/>
+            <a:ext cx="1786250" cy="1727153"/>
+            <a:chOff x="7271338" y="2098359"/>
+            <a:chExt cx="1786250" cy="1727153"/>
+          </a:xfrm>
+        </p:grpSpPr>
+        <p:sp>
+          <p:nvSpPr>
+            <p:cNvPr id="5" name="下箭头 4"/>
+            <p:cNvSpPr/>
+            <p:nvPr/>
+          </p:nvSpPr>
+          <p:spPr>
+            <a:xfrm rot="2700000">
+              <a:off x="7755847" y="2875981"/>
+              <a:ext cx="145042" cy="870257"/>
+            </a:xfrm>
+            <a:prstGeom prst="downArrow">
+              <a:avLst/>
+            </a:prstGeom>
+            <a:ln>
+              <a:noFill/>
+            </a:ln>
+          </p:spPr>
+          <p:style>
+            <a:lnRef idx="2">
+              <a:schemeClr val="accent4">
+                <a:shade val="50000"/>
+              </a:schemeClr>
+            </a:lnRef>
+            <a:fillRef idx="1">
+              <a:schemeClr val="accent4"/>
+            </a:fillRef>
+            <a:effectRef idx="0">
+              <a:schemeClr val="accent4"/>
+            </a:effectRef>
+            <a:fontRef idx="minor">
+              <a:schemeClr val="lt1"/>
+            </a:fontRef>
+          </p:style>
+          <p:txBody>
+            <a:bodyPr rtlCol="0" anchor="ctr"/>
+            <a:lstStyle/>
+            <a:p>
+              <a:pPr algn="ctr"/>
+              <a:endParaRPr lang="zh-CN" altLang="en-US"/>
+            </a:p>
+          </p:txBody>
+        </p:sp>
+        <p:sp>
+          <p:nvSpPr>
+            <p:cNvPr id="6" name="下箭头 5"/>
+            <p:cNvSpPr/>
+            <p:nvPr/>
+          </p:nvSpPr>
+          <p:spPr>
+            <a:xfrm rot="10800000">
+              <a:off x="8106994" y="2098359"/>
+              <a:ext cx="145042" cy="870257"/>
+            </a:xfrm>
+            <a:prstGeom prst="downArrow">
+              <a:avLst/>
+            </a:prstGeom>
+            <a:ln>
+              <a:noFill/>
+            </a:ln>
+          </p:spPr>
+          <p:style>
+            <a:lnRef idx="2">
+              <a:schemeClr val="accent4">
+                <a:shade val="50000"/>
+              </a:schemeClr>
+            </a:lnRef>
+            <a:fillRef idx="1">
+              <a:schemeClr val="accent4"/>
+            </a:fillRef>
+            <a:effectRef idx="0">
+              <a:schemeClr val="accent4"/>
+            </a:effectRef>
+            <a:fontRef idx="minor">
+              <a:schemeClr val="lt1"/>
+            </a:fontRef>
+          </p:style>
+          <p:txBody>
+            <a:bodyPr rtlCol="0" anchor="ctr"/>
+            <a:lstStyle/>
+            <a:p>
+              <a:pPr algn="ctr"/>
+              <a:endParaRPr lang="zh-CN" altLang="en-US"/>
+            </a:p>
+          </p:txBody>
+        </p:sp>
+        <p:sp>
+          <p:nvSpPr>
+            <p:cNvPr id="7" name="下箭头 6"/>
+            <p:cNvSpPr/>
+            <p:nvPr/>
+          </p:nvSpPr>
+          <p:spPr>
+            <a:xfrm rot="16200000">
+              <a:off x="8549939" y="2506138"/>
+              <a:ext cx="145042" cy="870257"/>
+            </a:xfrm>
+            <a:prstGeom prst="downArrow">
+              <a:avLst/>
+            </a:prstGeom>
+            <a:ln>
+              <a:noFill/>
+            </a:ln>
+          </p:spPr>
+          <p:style>
+            <a:lnRef idx="2">
+              <a:schemeClr val="accent4">
+                <a:shade val="50000"/>
+              </a:schemeClr>
+            </a:lnRef>
+            <a:fillRef idx="1">
+              <a:schemeClr val="accent4"/>
+            </a:fillRef>
+            <a:effectRef idx="0">
+              <a:schemeClr val="accent4"/>
+            </a:effectRef>
+            <a:fontRef idx="minor">
+              <a:schemeClr val="lt1"/>
+            </a:fontRef>
+          </p:style>
+          <p:txBody>
+            <a:bodyPr rtlCol="0" anchor="ctr"/>
+            <a:lstStyle/>
+            <a:p>
+              <a:pPr algn="ctr"/>
+              <a:endParaRPr lang="zh-CN" altLang="en-US"/>
+            </a:p>
+          </p:txBody>
+        </p:sp>
+        <p:sp>
+          <p:nvSpPr>
+            <p:cNvPr id="9" name="下箭头 8"/>
+            <p:cNvSpPr/>
+            <p:nvPr/>
+          </p:nvSpPr>
+          <p:spPr>
+            <a:xfrm>
+              <a:off x="8110229" y="2955255"/>
+              <a:ext cx="145042" cy="870257"/>
+            </a:xfrm>
+            <a:prstGeom prst="downArrow">
+              <a:avLst/>
+            </a:prstGeom>
+            <a:ln>
+              <a:noFill/>
+            </a:ln>
+          </p:spPr>
+          <p:style>
+            <a:lnRef idx="2">
+              <a:schemeClr val="accent4">
+                <a:shade val="50000"/>
+              </a:schemeClr>
+            </a:lnRef>
+            <a:fillRef idx="1">
+              <a:schemeClr val="accent4"/>
+            </a:fillRef>
+            <a:effectRef idx="0">
+              <a:schemeClr val="accent4"/>
+            </a:effectRef>
+            <a:fontRef idx="minor">
+              <a:schemeClr val="lt1"/>
+            </a:fontRef>
+          </p:style>
+          <p:txBody>
+            <a:bodyPr rtlCol="0" anchor="ctr"/>
+            <a:lstStyle/>
+            <a:p>
+              <a:pPr algn="ctr"/>
+              <a:endParaRPr lang="zh-CN" altLang="en-US"/>
+            </a:p>
+          </p:txBody>
+        </p:sp>
+        <p:sp>
+          <p:nvSpPr>
+            <p:cNvPr id="10" name="下箭头 9"/>
+            <p:cNvSpPr/>
+            <p:nvPr/>
+          </p:nvSpPr>
+          <p:spPr>
+            <a:xfrm rot="5400000">
+              <a:off x="7633946" y="2519497"/>
+              <a:ext cx="145042" cy="870257"/>
+            </a:xfrm>
+            <a:prstGeom prst="downArrow">
+              <a:avLst/>
+            </a:prstGeom>
+            <a:ln>
+              <a:noFill/>
+            </a:ln>
+          </p:spPr>
+          <p:style>
+            <a:lnRef idx="2">
+              <a:schemeClr val="accent4">
+                <a:shade val="50000"/>
+              </a:schemeClr>
+            </a:lnRef>
+            <a:fillRef idx="1">
+              <a:schemeClr val="accent4"/>
+            </a:fillRef>
+            <a:effectRef idx="0">
+              <a:schemeClr val="accent4"/>
+            </a:effectRef>
+            <a:fontRef idx="minor">
+              <a:schemeClr val="lt1"/>
+            </a:fontRef>
+          </p:style>
+          <p:txBody>
+            <a:bodyPr rtlCol="0" anchor="ctr"/>
+            <a:lstStyle/>
+            <a:p>
+              <a:pPr algn="ctr"/>
+              <a:endParaRPr lang="zh-CN" altLang="en-US"/>
+            </a:p>
+          </p:txBody>
+        </p:sp>
+        <p:sp>
+          <p:nvSpPr>
+            <p:cNvPr id="11" name="下箭头 10"/>
+            <p:cNvSpPr/>
+            <p:nvPr/>
+          </p:nvSpPr>
+          <p:spPr>
+            <a:xfrm rot="18900000" flipV="1">
+              <a:off x="7751895" y="2147176"/>
+              <a:ext cx="145042" cy="870257"/>
+            </a:xfrm>
+            <a:prstGeom prst="downArrow">
+              <a:avLst/>
+            </a:prstGeom>
+            <a:ln>
+              <a:noFill/>
+            </a:ln>
+          </p:spPr>
+          <p:style>
+            <a:lnRef idx="2">
+              <a:schemeClr val="accent4">
+                <a:shade val="50000"/>
+              </a:schemeClr>
+            </a:lnRef>
+            <a:fillRef idx="1">
+              <a:schemeClr val="accent4"/>
+            </a:fillRef>
+            <a:effectRef idx="0">
+              <a:schemeClr val="accent4"/>
+            </a:effectRef>
+            <a:fontRef idx="minor">
+              <a:schemeClr val="lt1"/>
+            </a:fontRef>
+          </p:style>
+          <p:txBody>
+            <a:bodyPr rtlCol="0" anchor="ctr"/>
+            <a:lstStyle/>
+            <a:p>
+              <a:pPr algn="ctr"/>
+              <a:endParaRPr lang="zh-CN" altLang="en-US"/>
+            </a:p>
+          </p:txBody>
+        </p:sp>
+        <p:sp>
+          <p:nvSpPr>
+            <p:cNvPr id="12" name="下箭头 11"/>
+            <p:cNvSpPr/>
+            <p:nvPr/>
+          </p:nvSpPr>
+          <p:spPr>
+            <a:xfrm rot="18900000" flipH="1">
+              <a:off x="8469823" y="2879089"/>
+              <a:ext cx="145042" cy="870257"/>
+            </a:xfrm>
+            <a:prstGeom prst="downArrow">
+              <a:avLst/>
+            </a:prstGeom>
+            <a:ln>
+              <a:noFill/>
+            </a:ln>
+          </p:spPr>
+          <p:style>
+            <a:lnRef idx="2">
+              <a:schemeClr val="accent4">
+                <a:shade val="50000"/>
+              </a:schemeClr>
+            </a:lnRef>
+            <a:fillRef idx="1">
+              <a:schemeClr val="accent4"/>
+            </a:fillRef>
+            <a:effectRef idx="0">
+              <a:schemeClr val="accent4"/>
+            </a:effectRef>
+            <a:fontRef idx="minor">
+              <a:schemeClr val="lt1"/>
+            </a:fontRef>
+          </p:style>
+          <p:txBody>
+            <a:bodyPr rtlCol="0" anchor="ctr"/>
+            <a:lstStyle/>
+            <a:p>
+              <a:pPr algn="ctr"/>
+              <a:endParaRPr lang="zh-CN" altLang="en-US"/>
+            </a:p>
+          </p:txBody>
+        </p:sp>
+        <p:sp>
+          <p:nvSpPr>
+            <p:cNvPr id="13" name="下箭头 12"/>
+            <p:cNvSpPr/>
+            <p:nvPr/>
+          </p:nvSpPr>
+          <p:spPr>
+            <a:xfrm rot="2700000" flipV="1">
+              <a:off x="8468562" y="2161166"/>
+              <a:ext cx="145042" cy="870257"/>
+            </a:xfrm>
+            <a:prstGeom prst="downArrow">
+              <a:avLst/>
+            </a:prstGeom>
+            <a:ln>
+              <a:noFill/>
+            </a:ln>
+          </p:spPr>
+          <p:style>
+            <a:lnRef idx="2">
+              <a:schemeClr val="accent4">
+                <a:shade val="50000"/>
+              </a:schemeClr>
+            </a:lnRef>
+            <a:fillRef idx="1">
+              <a:schemeClr val="accent4"/>
+            </a:fillRef>
+            <a:effectRef idx="0">
+              <a:schemeClr val="accent4"/>
+            </a:effectRef>
+            <a:fontRef idx="minor">
+              <a:schemeClr val="lt1"/>
+            </a:fontRef>
+          </p:style>
+          <p:txBody>
+            <a:bodyPr rtlCol="0" anchor="ctr"/>
+            <a:lstStyle/>
+            <a:p>
+              <a:pPr algn="ctr"/>
+              <a:endParaRPr lang="zh-CN" altLang="en-US"/>
+            </a:p>
+          </p:txBody>
+        </p:sp>
+        <p:sp>
+          <p:nvSpPr>
+            <p:cNvPr id="14" name="矩形 13"/>
+            <p:cNvSpPr/>
+            <p:nvPr/>
+          </p:nvSpPr>
+          <p:spPr>
+            <a:xfrm>
+              <a:off x="8110229" y="2882104"/>
+              <a:ext cx="146304" cy="146304"/>
+            </a:xfrm>
+            <a:prstGeom prst="rect">
+              <a:avLst/>
+            </a:prstGeom>
+            <a:ln>
+              <a:noFill/>
+            </a:ln>
+          </p:spPr>
+          <p:style>
+            <a:lnRef idx="2">
+              <a:schemeClr val="accent4">
+                <a:shade val="50000"/>
+              </a:schemeClr>
+            </a:lnRef>
+            <a:fillRef idx="1">
+              <a:schemeClr val="accent4"/>
+            </a:fillRef>
+            <a:effectRef idx="0">
+              <a:schemeClr val="accent4"/>
+            </a:effectRef>
+            <a:fontRef idx="minor">
+              <a:schemeClr val="lt1"/>
+            </a:fontRef>
+          </p:style>
+          <p:txBody>
+            <a:bodyPr rtlCol="0" anchor="ctr"/>
+            <a:lstStyle/>
+            <a:p>
+              <a:pPr algn="ctr"/>
+              <a:endParaRPr lang="zh-CN" altLang="en-US"/>
+            </a:p>
+          </p:txBody>
+        </p:sp>
+      </p:grpSp>
+      <p:sp>
+        <p:nvSpPr>
+          <p:cNvPr id="3" name="矩形 2"/>
+          <p:cNvSpPr/>
+          <p:nvPr/>
+        </p:nvSpPr>
+        <p:spPr>
+          <a:xfrm>
+            <a:off x="3892275" y="2146941"/>
+            <a:ext cx="2230395" cy="821675"/>
+          </a:xfrm>
+          <a:prstGeom prst="rect">
+            <a:avLst/>
+          </a:prstGeom>
+          <a:solidFill>
+            <a:schemeClr val="tx2"/>
+          </a:solidFill>
+          <a:ln>
+            <a:noFill/>
+          </a:ln>
+        </p:spPr>
+        <p:style>
+          <a:lnRef idx="2">
+            <a:schemeClr val="accent1">
+              <a:shade val="50000"/>
+            </a:schemeClr>
+          </a:lnRef>
+          <a:fillRef idx="1">
+            <a:schemeClr val="accent1"/>
+          </a:fillRef>
+          <a:effectRef idx="0">
+            <a:schemeClr val="accent1"/>
+          </a:effectRef>
+          <a:fontRef idx="minor">
+            <a:schemeClr val="lt1"/>
+          </a:fontRef>
+        </p:style>
+        <p:txBody>
+          <a:bodyPr rtlCol="0" anchor="ctr"/>
+          <a:lstStyle/>
+          <a:p>
+            <a:pPr algn="ctr"/>
+            <a:r>
+              <a:rPr lang="zh-CN" altLang="en-US" sz="4000" b="1" dirty="0" smtClean="0">
+                <a:solidFill>
+                  <a:schemeClr val="accent4">
+                    <a:lumMod val="40000"/>
+                    <a:lumOff val="60000"/>
+                  </a:schemeClr>
+                </a:solidFill>
+                <a:latin typeface="方正兰亭超细黑简体" panose="02000000000000000000" pitchFamily="2" charset="-122"/>
+                <a:ea typeface="方正兰亭超细黑简体" panose="02000000000000000000" pitchFamily="2" charset="-122"/>
+              </a:rPr>
+              <a:t>帮助</a:t>
+            </a:r>
+            <a:endParaRPr lang="zh-CN" altLang="en-US" sz="4000" b="1" dirty="0">
+              <a:solidFill>
+                <a:schemeClr val="accent4">
+                  <a:lumMod val="40000"/>
+                  <a:lumOff val="60000"/>
+                </a:schemeClr>
+              </a:solidFill>
+              <a:latin typeface="方正兰亭超细黑简体" panose="02000000000000000000" pitchFamily="2" charset="-122"/>
+              <a:ea typeface="方正兰亭超细黑简体" panose="02000000000000000000" pitchFamily="2" charset="-122"/>
+            </a:endParaRPr>
+          </a:p>
+        </p:txBody>
+      </p:sp>
+    </p:spTree>
+    <p:extLst>
+      <p:ext uri="{BB962C8B-B14F-4D97-AF65-F5344CB8AC3E}">
+        <p14:creationId xmlns:p14="http://schemas.microsoft.com/office/powerpoint/2010/main" val="1415711543"/>
+      </p:ext>
+    </p:extLst>
+  </p:cSld>
+  <p:clrMapOvr>
+    <a:masterClrMapping/>
+  </p:clrMapOvr>
+</p:sld>
+</file>
+
+<file path=ppt/slides/slide8.xml><?xml version="1.0" encoding="utf-8"?>
+<p:sld xmlns:a="http://schemas.openxmlformats.org/drawingml/2006/main" xmlns:r="http://schemas.openxmlformats.org/officeDocument/2006/relationships" xmlns:p="http://schemas.openxmlformats.org/presentationml/2006/main">
+  <p:cSld>
+    <p:spTree>
+      <p:nvGrpSpPr>
+        <p:cNvPr id="1" name=""/>
+        <p:cNvGrpSpPr/>
+        <p:nvPr/>
+      </p:nvGrpSpPr>
+      <p:grpSpPr>
+        <a:xfrm>
+          <a:off x="0" y="0"/>
+          <a:ext cx="0" cy="0"/>
+          <a:chOff x="0" y="0"/>
+          <a:chExt cx="0" cy="0"/>
+        </a:xfrm>
+      </p:grpSpPr>
+      <p:sp>
+        <p:nvSpPr>
+          <p:cNvPr id="4" name="椭圆 3"/>
+          <p:cNvSpPr/>
+          <p:nvPr/>
+        </p:nvSpPr>
+        <p:spPr>
+          <a:xfrm>
+            <a:off x="158706" y="668457"/>
+            <a:ext cx="11874587" cy="5265683"/>
+          </a:xfrm>
+          <a:prstGeom prst="ellipse">
+            <a:avLst/>
+          </a:prstGeom>
+          <a:solidFill>
+            <a:schemeClr val="accent2">
+              <a:lumMod val="40000"/>
+              <a:lumOff val="60000"/>
+            </a:schemeClr>
+          </a:solidFill>
+          <a:effectLst>
+            <a:outerShdw blurRad="50800" dist="38100" dir="2700000" algn="tl" rotWithShape="0">
+              <a:prstClr val="black">
+                <a:alpha val="40000"/>
+              </a:prstClr>
+            </a:outerShdw>
+          </a:effectLst>
+        </p:spPr>
+        <p:style>
+          <a:lnRef idx="2">
+            <a:schemeClr val="accent1">
+              <a:shade val="50000"/>
+            </a:schemeClr>
+          </a:lnRef>
+          <a:fillRef idx="1">
+            <a:schemeClr val="accent1"/>
+          </a:fillRef>
+          <a:effectRef idx="0">
+            <a:schemeClr val="accent1"/>
+          </a:effectRef>
+          <a:fontRef idx="minor">
+            <a:schemeClr val="lt1"/>
+          </a:fontRef>
+        </p:style>
+        <p:txBody>
+          <a:bodyPr rtlCol="0" anchor="ctr"/>
+          <a:lstStyle/>
+          <a:p>
+            <a:pPr algn="ctr"/>
+            <a:endParaRPr lang="zh-CN" altLang="en-US"/>
+          </a:p>
+        </p:txBody>
+      </p:sp>
+      <p:sp>
+        <p:nvSpPr>
+          <p:cNvPr id="3" name="内容占位符 2"/>
+          <p:cNvSpPr>
+            <a:spLocks noGrp="1"/>
+          </p:cNvSpPr>
+          <p:nvPr>
+            <p:ph idx="1"/>
+          </p:nvPr>
+        </p:nvSpPr>
+        <p:spPr>
+          <a:xfrm>
+            <a:off x="1159816" y="1976974"/>
+            <a:ext cx="10515600" cy="4351338"/>
+          </a:xfrm>
+        </p:spPr>
+        <p:txBody>
+          <a:bodyPr>
+            <a:normAutofit/>
+          </a:bodyPr>
+          <a:lstStyle/>
+          <a:p>
+            <a:pPr marL="0" indent="0">
+              <a:buNone/>
+            </a:pPr>
+            <a:r>
+              <a:rPr lang="zh-CN" altLang="en-US" sz="4800" dirty="0" smtClean="0">
+                <a:solidFill>
+                  <a:srgbClr val="FF7C80"/>
+                </a:solidFill>
+              </a:rPr>
+              <a:t>猫猫吃老鼠：操控</a:t>
+            </a:r>
+            <a:r>
+              <a:rPr lang="en-US" altLang="zh-CN" sz="4800" dirty="0" err="1" smtClean="0">
+                <a:solidFill>
+                  <a:srgbClr val="FF7C80"/>
+                </a:solidFill>
+              </a:rPr>
+              <a:t>wsad</a:t>
+            </a:r>
+            <a:r>
+              <a:rPr lang="zh-CN" altLang="en-US" sz="4800" dirty="0" smtClean="0">
+                <a:solidFill>
+                  <a:srgbClr val="FF7C80"/>
+                </a:solidFill>
+              </a:rPr>
+              <a:t>控制猫的上下左右移动，吃到老鼠获得分数</a:t>
+            </a:r>
+            <a:endParaRPr lang="en-US" altLang="zh-CN" sz="4800" dirty="0" smtClean="0">
+              <a:solidFill>
+                <a:srgbClr val="FF7C80"/>
+              </a:solidFill>
+            </a:endParaRPr>
+          </a:p>
+          <a:p>
+            <a:pPr marL="0" indent="0">
+              <a:buNone/>
+            </a:pPr>
+            <a:r>
+              <a:rPr lang="zh-CN" altLang="en-US" sz="4800" dirty="0" smtClean="0">
+                <a:solidFill>
+                  <a:srgbClr val="FF7C80"/>
+                </a:solidFill>
+              </a:rPr>
+              <a:t>任何界面可通过</a:t>
+            </a:r>
+            <a:r>
+              <a:rPr lang="en-US" altLang="zh-CN" sz="4800" dirty="0">
+                <a:solidFill>
+                  <a:srgbClr val="FF7C80"/>
+                </a:solidFill>
+              </a:rPr>
+              <a:t>【</a:t>
+            </a:r>
+            <a:r>
+              <a:rPr lang="en-US" altLang="zh-CN" sz="4800" dirty="0" smtClean="0">
+                <a:solidFill>
+                  <a:srgbClr val="FF7C80"/>
+                </a:solidFill>
+              </a:rPr>
+              <a:t>esc】</a:t>
+            </a:r>
+            <a:r>
+              <a:rPr lang="zh-CN" altLang="en-US" sz="4800" dirty="0" smtClean="0">
+                <a:solidFill>
+                  <a:srgbClr val="FF7C80"/>
+                </a:solidFill>
+              </a:rPr>
+              <a:t>或</a:t>
+            </a:r>
+            <a:r>
+              <a:rPr lang="en-US" altLang="zh-CN" sz="4800" dirty="0" smtClean="0">
+                <a:solidFill>
+                  <a:srgbClr val="FF7C80"/>
+                </a:solidFill>
+              </a:rPr>
+              <a:t>【enter】</a:t>
+            </a:r>
+            <a:r>
+              <a:rPr lang="zh-CN" altLang="en-US" sz="4800" dirty="0" smtClean="0">
+                <a:solidFill>
+                  <a:srgbClr val="FF7C80"/>
+                </a:solidFill>
+              </a:rPr>
+              <a:t>或</a:t>
+            </a:r>
+            <a:r>
+              <a:rPr lang="en-US" altLang="zh-CN" sz="4800" dirty="0" smtClean="0">
+                <a:solidFill>
+                  <a:srgbClr val="FF7C80"/>
+                </a:solidFill>
+              </a:rPr>
+              <a:t>【space】</a:t>
+            </a:r>
+            <a:r>
+              <a:rPr lang="zh-CN" altLang="en-US" sz="4800" dirty="0" smtClean="0">
+                <a:solidFill>
+                  <a:srgbClr val="FF7C80"/>
+                </a:solidFill>
+              </a:rPr>
+              <a:t>键返回上一层</a:t>
+            </a:r>
+            <a:endParaRPr lang="zh-CN" altLang="en-US" sz="4800" dirty="0">
+              <a:solidFill>
+                <a:srgbClr val="FF7C80"/>
+              </a:solidFill>
+            </a:endParaRPr>
+          </a:p>
+        </p:txBody>
+      </p:sp>
+    </p:spTree>
+    <p:extLst>
+      <p:ext uri="{BB962C8B-B14F-4D97-AF65-F5344CB8AC3E}">
+        <p14:creationId xmlns:p14="http://schemas.microsoft.com/office/powerpoint/2010/main" val="1532362880"/>
+      </p:ext>
+    </p:extLst>
+  </p:cSld>
+  <p:clrMapOvr>
+    <a:masterClrMapping/>
+  </p:clrMapOvr>
+  <p:timing>
+    <p:tnLst>
+      <p:par>
+        <p:cTn id="1" dur="indefinite" restart="never" nodeType="tmRoot"/>
+      </p:par>
+    </p:tnLst>
+  </p:timing>
+</p:sld>
+</file>
+
+<file path=ppt/slides/slide9.xml><?xml version="1.0" encoding="utf-8"?>
+<p:sld xmlns:a="http://schemas.openxmlformats.org/drawingml/2006/main" xmlns:r="http://schemas.openxmlformats.org/officeDocument/2006/relationships" xmlns:p="http://schemas.openxmlformats.org/presentationml/2006/main">
+  <p:cSld>
+    <p:spTree>
+      <p:nvGrpSpPr>
+        <p:cNvPr id="1" name=""/>
+        <p:cNvGrpSpPr/>
+        <p:nvPr/>
+      </p:nvGrpSpPr>
+      <p:grpSpPr>
+        <a:xfrm>
+          <a:off x="0" y="0"/>
+          <a:ext cx="0" cy="0"/>
+          <a:chOff x="0" y="0"/>
+          <a:chExt cx="0" cy="0"/>
+        </a:xfrm>
+      </p:grpSpPr>
+      <p:sp>
+        <p:nvSpPr>
+          <p:cNvPr id="2" name="标题 1"/>
+          <p:cNvSpPr>
+            <a:spLocks noGrp="1"/>
+          </p:cNvSpPr>
+          <p:nvPr>
+            <p:ph type="title"/>
+          </p:nvPr>
+        </p:nvSpPr>
+        <p:spPr/>
+        <p:txBody>
+          <a:bodyPr/>
+          <a:lstStyle/>
+          <a:p>
+            <a:endParaRPr lang="zh-CN" altLang="en-US"/>
+          </a:p>
+        </p:txBody>
+      </p:sp>
+      <p:sp>
+        <p:nvSpPr>
+          <p:cNvPr id="3" name="内容占位符 2"/>
+          <p:cNvSpPr>
+            <a:spLocks noGrp="1"/>
+          </p:cNvSpPr>
+          <p:nvPr>
+            <p:ph idx="1"/>
+          </p:nvPr>
+        </p:nvSpPr>
+        <p:spPr/>
+        <p:txBody>
+          <a:bodyPr/>
+          <a:lstStyle/>
+          <a:p>
+            <a:endParaRPr lang="zh-CN" altLang="en-US"/>
+          </a:p>
+        </p:txBody>
+      </p:sp>
+      <p:grpSp>
+        <p:nvGrpSpPr>
+          <p:cNvPr id="4" name="组合 3"/>
+          <p:cNvGrpSpPr/>
+          <p:nvPr/>
+        </p:nvGrpSpPr>
+        <p:grpSpPr>
+          <a:xfrm>
+            <a:off x="2375178" y="888365"/>
+            <a:ext cx="7441643" cy="5081269"/>
+            <a:chOff x="1157844" y="57151"/>
+            <a:chExt cx="7441643" cy="5081269"/>
+          </a:xfrm>
+        </p:grpSpPr>
+        <p:pic>
+          <p:nvPicPr>
+            <p:cNvPr id="5" name="图片 4"/>
+            <p:cNvPicPr/>
+            <p:nvPr/>
+          </p:nvPicPr>
+          <p:blipFill>
+            <a:blip r:embed="rId2"/>
+            <a:stretch>
+              <a:fillRect/>
+            </a:stretch>
+          </p:blipFill>
+          <p:spPr>
+            <a:xfrm>
+              <a:off x="1157844" y="57151"/>
+              <a:ext cx="7441643" cy="5081269"/>
+            </a:xfrm>
+            <a:prstGeom prst="rect">
+              <a:avLst/>
+            </a:prstGeom>
+          </p:spPr>
+        </p:pic>
+        <p:sp>
+          <p:nvSpPr>
+            <p:cNvPr id="6" name="椭圆 5"/>
+            <p:cNvSpPr/>
+            <p:nvPr/>
+          </p:nvSpPr>
+          <p:spPr>
+            <a:xfrm>
+              <a:off x="6703621" y="849086"/>
+              <a:ext cx="1632857" cy="670956"/>
+            </a:xfrm>
+            <a:prstGeom prst="ellipse">
+              <a:avLst/>
+            </a:prstGeom>
+            <a:solidFill>
+              <a:srgbClr val="FF0000">
+                <a:alpha val="0"/>
+              </a:srgbClr>
+            </a:solidFill>
+            <a:ln w="19050">
+              <a:solidFill>
+                <a:srgbClr val="FF0000"/>
+              </a:solidFill>
+            </a:ln>
+          </p:spPr>
+          <p:style>
+            <a:lnRef idx="2">
+              <a:schemeClr val="accent1">
+                <a:shade val="50000"/>
+              </a:schemeClr>
+            </a:lnRef>
+            <a:fillRef idx="1">
+              <a:schemeClr val="accent1"/>
+            </a:fillRef>
+            <a:effectRef idx="0">
+              <a:schemeClr val="accent1"/>
+            </a:effectRef>
+            <a:fontRef idx="minor">
+              <a:schemeClr val="lt1"/>
+            </a:fontRef>
+          </p:style>
+          <p:txBody>
+            <a:bodyPr rot="0" spcFirstLastPara="0" vert="horz" wrap="square" lIns="91440" tIns="45720" rIns="91440" bIns="45720" numCol="1" spcCol="0" rtlCol="0" fromWordArt="0" anchor="ctr" anchorCtr="0" forceAA="0" compatLnSpc="1">
+              <a:prstTxWarp prst="textNoShape">
+                <a:avLst/>
+              </a:prstTxWarp>
+              <a:noAutofit/>
+            </a:bodyPr>
+            <a:lstStyle>
+              <a:defPPr>
+                <a:defRPr lang="zh-CN"/>
+              </a:defPPr>
+              <a:lvl1pPr marL="0" algn="l" defTabSz="914400" rtl="0" eaLnBrk="1" latinLnBrk="0" hangingPunct="1">
+                <a:defRPr sz="1800" kern="1200">
+                  <a:solidFill>
+                    <a:schemeClr val="lt1"/>
+                  </a:solidFill>
+                  <a:latin typeface="+mn-lt"/>
+                  <a:ea typeface="+mn-ea"/>
+                  <a:cs typeface="+mn-cs"/>
+                </a:defRPr>
+              </a:lvl1pPr>
+              <a:lvl2pPr marL="457200" algn="l" defTabSz="914400" rtl="0" eaLnBrk="1" latinLnBrk="0" hangingPunct="1">
+                <a:defRPr sz="1800" kern="1200">
+                  <a:solidFill>
+                    <a:schemeClr val="lt1"/>
+                  </a:solidFill>
+                  <a:latin typeface="+mn-lt"/>
+                  <a:ea typeface="+mn-ea"/>
+                  <a:cs typeface="+mn-cs"/>
+                </a:defRPr>
+              </a:lvl2pPr>
+              <a:lvl3pPr marL="914400" algn="l" defTabSz="914400" rtl="0" eaLnBrk="1" latinLnBrk="0" hangingPunct="1">
+                <a:defRPr sz="1800" kern="1200">
+                  <a:solidFill>
+                    <a:schemeClr val="lt1"/>
+                  </a:solidFill>
+                  <a:latin typeface="+mn-lt"/>
+                  <a:ea typeface="+mn-ea"/>
+                  <a:cs typeface="+mn-cs"/>
+                </a:defRPr>
+              </a:lvl3pPr>
+              <a:lvl4pPr marL="1371600" algn="l" defTabSz="914400" rtl="0" eaLnBrk="1" latinLnBrk="0" hangingPunct="1">
+                <a:defRPr sz="1800" kern="1200">
+                  <a:solidFill>
+                    <a:schemeClr val="lt1"/>
+                  </a:solidFill>
+                  <a:latin typeface="+mn-lt"/>
+                  <a:ea typeface="+mn-ea"/>
+                  <a:cs typeface="+mn-cs"/>
+                </a:defRPr>
+              </a:lvl4pPr>
+              <a:lvl5pPr marL="1828800" algn="l" defTabSz="914400" rtl="0" eaLnBrk="1" latinLnBrk="0" hangingPunct="1">
+                <a:defRPr sz="1800" kern="1200">
+                  <a:solidFill>
+                    <a:schemeClr val="lt1"/>
+                  </a:solidFill>
+                  <a:latin typeface="+mn-lt"/>
+                  <a:ea typeface="+mn-ea"/>
+                  <a:cs typeface="+mn-cs"/>
+                </a:defRPr>
+              </a:lvl5pPr>
+              <a:lvl6pPr marL="2286000" algn="l" defTabSz="914400" rtl="0" eaLnBrk="1" latinLnBrk="0" hangingPunct="1">
+                <a:defRPr sz="1800" kern="1200">
+                  <a:solidFill>
+                    <a:schemeClr val="lt1"/>
+                  </a:solidFill>
+                  <a:latin typeface="+mn-lt"/>
+                  <a:ea typeface="+mn-ea"/>
+                  <a:cs typeface="+mn-cs"/>
+                </a:defRPr>
+              </a:lvl6pPr>
+              <a:lvl7pPr marL="2743200" algn="l" defTabSz="914400" rtl="0" eaLnBrk="1" latinLnBrk="0" hangingPunct="1">
+                <a:defRPr sz="1800" kern="1200">
+                  <a:solidFill>
+                    <a:schemeClr val="lt1"/>
+                  </a:solidFill>
+                  <a:latin typeface="+mn-lt"/>
+                  <a:ea typeface="+mn-ea"/>
+                  <a:cs typeface="+mn-cs"/>
+                </a:defRPr>
+              </a:lvl7pPr>
+              <a:lvl8pPr marL="3200400" algn="l" defTabSz="914400" rtl="0" eaLnBrk="1" latinLnBrk="0" hangingPunct="1">
+                <a:defRPr sz="1800" kern="1200">
+                  <a:solidFill>
+                    <a:schemeClr val="lt1"/>
+                  </a:solidFill>
+                  <a:latin typeface="+mn-lt"/>
+                  <a:ea typeface="+mn-ea"/>
+                  <a:cs typeface="+mn-cs"/>
+                </a:defRPr>
+              </a:lvl8pPr>
+              <a:lvl9pPr marL="3657600" algn="l" defTabSz="914400" rtl="0" eaLnBrk="1" latinLnBrk="0" hangingPunct="1">
+                <a:defRPr sz="1800" kern="1200">
+                  <a:solidFill>
+                    <a:schemeClr val="lt1"/>
+                  </a:solidFill>
+                  <a:latin typeface="+mn-lt"/>
+                  <a:ea typeface="+mn-ea"/>
+                  <a:cs typeface="+mn-cs"/>
+                </a:defRPr>
+              </a:lvl9pPr>
+            </a:lstStyle>
+            <a:p>
+              <a:pPr algn="ctr"/>
+              <a:endParaRPr lang="zh-CN" altLang="en-US"/>
+            </a:p>
+          </p:txBody>
+        </p:sp>
+        <p:sp>
+          <p:nvSpPr>
+            <p:cNvPr id="7" name="椭圆 6"/>
+            <p:cNvSpPr/>
+            <p:nvPr/>
+          </p:nvSpPr>
+          <p:spPr>
+            <a:xfrm>
+              <a:off x="2593075" y="3323230"/>
+              <a:ext cx="580029" cy="587445"/>
+            </a:xfrm>
+            <a:prstGeom prst="ellipse">
+              <a:avLst/>
+            </a:prstGeom>
+            <a:solidFill>
+              <a:srgbClr val="FF0000">
+                <a:alpha val="0"/>
+              </a:srgbClr>
+            </a:solidFill>
+            <a:ln w="19050">
+              <a:solidFill>
+                <a:srgbClr val="FF0000"/>
+              </a:solidFill>
+            </a:ln>
+          </p:spPr>
+          <p:style>
+            <a:lnRef idx="2">
+              <a:schemeClr val="accent1">
+                <a:shade val="50000"/>
+              </a:schemeClr>
+            </a:lnRef>
+            <a:fillRef idx="1">
+              <a:schemeClr val="accent1"/>
+            </a:fillRef>
+            <a:effectRef idx="0">
+              <a:schemeClr val="accent1"/>
+            </a:effectRef>
+            <a:fontRef idx="minor">
+              <a:schemeClr val="lt1"/>
+            </a:fontRef>
+          </p:style>
+          <p:txBody>
+            <a:bodyPr rot="0" spcFirstLastPara="0" vert="horz" wrap="square" lIns="91440" tIns="45720" rIns="91440" bIns="45720" numCol="1" spcCol="0" rtlCol="0" fromWordArt="0" anchor="ctr" anchorCtr="0" forceAA="0" compatLnSpc="1">
+              <a:prstTxWarp prst="textNoShape">
+                <a:avLst/>
+              </a:prstTxWarp>
+              <a:noAutofit/>
+            </a:bodyPr>
+            <a:lstStyle>
+              <a:defPPr>
+                <a:defRPr lang="zh-CN"/>
+              </a:defPPr>
+              <a:lvl1pPr marL="0" algn="l" defTabSz="914400" rtl="0" eaLnBrk="1" latinLnBrk="0" hangingPunct="1">
+                <a:defRPr sz="1800" kern="1200">
+                  <a:solidFill>
+                    <a:schemeClr val="lt1"/>
+                  </a:solidFill>
+                  <a:latin typeface="+mn-lt"/>
+                  <a:ea typeface="+mn-ea"/>
+                  <a:cs typeface="+mn-cs"/>
+                </a:defRPr>
+              </a:lvl1pPr>
+              <a:lvl2pPr marL="457200" algn="l" defTabSz="914400" rtl="0" eaLnBrk="1" latinLnBrk="0" hangingPunct="1">
+                <a:defRPr sz="1800" kern="1200">
+                  <a:solidFill>
+                    <a:schemeClr val="lt1"/>
+                  </a:solidFill>
+                  <a:latin typeface="+mn-lt"/>
+                  <a:ea typeface="+mn-ea"/>
+                  <a:cs typeface="+mn-cs"/>
+                </a:defRPr>
+              </a:lvl2pPr>
+              <a:lvl3pPr marL="914400" algn="l" defTabSz="914400" rtl="0" eaLnBrk="1" latinLnBrk="0" hangingPunct="1">
+                <a:defRPr sz="1800" kern="1200">
+                  <a:solidFill>
+                    <a:schemeClr val="lt1"/>
+                  </a:solidFill>
+                  <a:latin typeface="+mn-lt"/>
+                  <a:ea typeface="+mn-ea"/>
+                  <a:cs typeface="+mn-cs"/>
+                </a:defRPr>
+              </a:lvl3pPr>
+              <a:lvl4pPr marL="1371600" algn="l" defTabSz="914400" rtl="0" eaLnBrk="1" latinLnBrk="0" hangingPunct="1">
+                <a:defRPr sz="1800" kern="1200">
+                  <a:solidFill>
+                    <a:schemeClr val="lt1"/>
+                  </a:solidFill>
+                  <a:latin typeface="+mn-lt"/>
+                  <a:ea typeface="+mn-ea"/>
+                  <a:cs typeface="+mn-cs"/>
+                </a:defRPr>
+              </a:lvl4pPr>
+              <a:lvl5pPr marL="1828800" algn="l" defTabSz="914400" rtl="0" eaLnBrk="1" latinLnBrk="0" hangingPunct="1">
+                <a:defRPr sz="1800" kern="1200">
+                  <a:solidFill>
+                    <a:schemeClr val="lt1"/>
+                  </a:solidFill>
+                  <a:latin typeface="+mn-lt"/>
+                  <a:ea typeface="+mn-ea"/>
+                  <a:cs typeface="+mn-cs"/>
+                </a:defRPr>
+              </a:lvl5pPr>
+              <a:lvl6pPr marL="2286000" algn="l" defTabSz="914400" rtl="0" eaLnBrk="1" latinLnBrk="0" hangingPunct="1">
+                <a:defRPr sz="1800" kern="1200">
+                  <a:solidFill>
+                    <a:schemeClr val="lt1"/>
+                  </a:solidFill>
+                  <a:latin typeface="+mn-lt"/>
+                  <a:ea typeface="+mn-ea"/>
+                  <a:cs typeface="+mn-cs"/>
+                </a:defRPr>
+              </a:lvl6pPr>
+              <a:lvl7pPr marL="2743200" algn="l" defTabSz="914400" rtl="0" eaLnBrk="1" latinLnBrk="0" hangingPunct="1">
+                <a:defRPr sz="1800" kern="1200">
+                  <a:solidFill>
+                    <a:schemeClr val="lt1"/>
+                  </a:solidFill>
+                  <a:latin typeface="+mn-lt"/>
+                  <a:ea typeface="+mn-ea"/>
+                  <a:cs typeface="+mn-cs"/>
+                </a:defRPr>
+              </a:lvl7pPr>
+              <a:lvl8pPr marL="3200400" algn="l" defTabSz="914400" rtl="0" eaLnBrk="1" latinLnBrk="0" hangingPunct="1">
+                <a:defRPr sz="1800" kern="1200">
+                  <a:solidFill>
+                    <a:schemeClr val="lt1"/>
+                  </a:solidFill>
+                  <a:latin typeface="+mn-lt"/>
+                  <a:ea typeface="+mn-ea"/>
+                  <a:cs typeface="+mn-cs"/>
+                </a:defRPr>
+              </a:lvl8pPr>
+              <a:lvl9pPr marL="3657600" algn="l" defTabSz="914400" rtl="0" eaLnBrk="1" latinLnBrk="0" hangingPunct="1">
+                <a:defRPr sz="1800" kern="1200">
+                  <a:solidFill>
+                    <a:schemeClr val="lt1"/>
+                  </a:solidFill>
+                  <a:latin typeface="+mn-lt"/>
+                  <a:ea typeface="+mn-ea"/>
+                  <a:cs typeface="+mn-cs"/>
+                </a:defRPr>
+              </a:lvl9pPr>
+            </a:lstStyle>
+            <a:p>
+              <a:pPr algn="ctr"/>
+              <a:endParaRPr lang="zh-CN" altLang="en-US"/>
+            </a:p>
+          </p:txBody>
+        </p:sp>
+        <p:sp>
+          <p:nvSpPr>
+            <p:cNvPr id="8" name="椭圆 7"/>
+            <p:cNvSpPr/>
+            <p:nvPr/>
+          </p:nvSpPr>
+          <p:spPr>
+            <a:xfrm>
+              <a:off x="3418765" y="849086"/>
+              <a:ext cx="832514" cy="670956"/>
+            </a:xfrm>
+            <a:prstGeom prst="ellipse">
+              <a:avLst/>
+            </a:prstGeom>
+            <a:solidFill>
+              <a:srgbClr val="FF0000">
+                <a:alpha val="0"/>
+              </a:srgbClr>
+            </a:solidFill>
+            <a:ln w="19050">
+              <a:solidFill>
+                <a:srgbClr val="FF0000"/>
+              </a:solidFill>
+            </a:ln>
+          </p:spPr>
+          <p:style>
+            <a:lnRef idx="2">
+              <a:schemeClr val="accent1">
+                <a:shade val="50000"/>
+              </a:schemeClr>
+            </a:lnRef>
+            <a:fillRef idx="1">
+              <a:schemeClr val="accent1"/>
+            </a:fillRef>
+            <a:effectRef idx="0">
+              <a:schemeClr val="accent1"/>
+            </a:effectRef>
+            <a:fontRef idx="minor">
+              <a:schemeClr val="lt1"/>
+            </a:fontRef>
+          </p:style>
+          <p:txBody>
+            <a:bodyPr rot="0" spcFirstLastPara="0" vert="horz" wrap="square" lIns="91440" tIns="45720" rIns="91440" bIns="45720" numCol="1" spcCol="0" rtlCol="0" fromWordArt="0" anchor="ctr" anchorCtr="0" forceAA="0" compatLnSpc="1">
+              <a:prstTxWarp prst="textNoShape">
+                <a:avLst/>
+              </a:prstTxWarp>
+              <a:noAutofit/>
+            </a:bodyPr>
+            <a:lstStyle>
+              <a:defPPr>
+                <a:defRPr lang="zh-CN"/>
+              </a:defPPr>
+              <a:lvl1pPr marL="0" algn="l" defTabSz="914400" rtl="0" eaLnBrk="1" latinLnBrk="0" hangingPunct="1">
+                <a:defRPr sz="1800" kern="1200">
+                  <a:solidFill>
+                    <a:schemeClr val="lt1"/>
+                  </a:solidFill>
+                  <a:latin typeface="+mn-lt"/>
+                  <a:ea typeface="+mn-ea"/>
+                  <a:cs typeface="+mn-cs"/>
+                </a:defRPr>
+              </a:lvl1pPr>
+              <a:lvl2pPr marL="457200" algn="l" defTabSz="914400" rtl="0" eaLnBrk="1" latinLnBrk="0" hangingPunct="1">
+                <a:defRPr sz="1800" kern="1200">
+                  <a:solidFill>
+                    <a:schemeClr val="lt1"/>
+                  </a:solidFill>
+                  <a:latin typeface="+mn-lt"/>
+                  <a:ea typeface="+mn-ea"/>
+                  <a:cs typeface="+mn-cs"/>
+                </a:defRPr>
+              </a:lvl2pPr>
+              <a:lvl3pPr marL="914400" algn="l" defTabSz="914400" rtl="0" eaLnBrk="1" latinLnBrk="0" hangingPunct="1">
+                <a:defRPr sz="1800" kern="1200">
+                  <a:solidFill>
+                    <a:schemeClr val="lt1"/>
+                  </a:solidFill>
+                  <a:latin typeface="+mn-lt"/>
+                  <a:ea typeface="+mn-ea"/>
+                  <a:cs typeface="+mn-cs"/>
+                </a:defRPr>
+              </a:lvl3pPr>
+              <a:lvl4pPr marL="1371600" algn="l" defTabSz="914400" rtl="0" eaLnBrk="1" latinLnBrk="0" hangingPunct="1">
+                <a:defRPr sz="1800" kern="1200">
+                  <a:solidFill>
+                    <a:schemeClr val="lt1"/>
+                  </a:solidFill>
+                  <a:latin typeface="+mn-lt"/>
+                  <a:ea typeface="+mn-ea"/>
+                  <a:cs typeface="+mn-cs"/>
+                </a:defRPr>
+              </a:lvl4pPr>
+              <a:lvl5pPr marL="1828800" algn="l" defTabSz="914400" rtl="0" eaLnBrk="1" latinLnBrk="0" hangingPunct="1">
+                <a:defRPr sz="1800" kern="1200">
+                  <a:solidFill>
+                    <a:schemeClr val="lt1"/>
+                  </a:solidFill>
+                  <a:latin typeface="+mn-lt"/>
+                  <a:ea typeface="+mn-ea"/>
+                  <a:cs typeface="+mn-cs"/>
+                </a:defRPr>
+              </a:lvl5pPr>
+              <a:lvl6pPr marL="2286000" algn="l" defTabSz="914400" rtl="0" eaLnBrk="1" latinLnBrk="0" hangingPunct="1">
+                <a:defRPr sz="1800" kern="1200">
+                  <a:solidFill>
+                    <a:schemeClr val="lt1"/>
+                  </a:solidFill>
+                  <a:latin typeface="+mn-lt"/>
+                  <a:ea typeface="+mn-ea"/>
+                  <a:cs typeface="+mn-cs"/>
+                </a:defRPr>
+              </a:lvl6pPr>
+              <a:lvl7pPr marL="2743200" algn="l" defTabSz="914400" rtl="0" eaLnBrk="1" latinLnBrk="0" hangingPunct="1">
+                <a:defRPr sz="1800" kern="1200">
+                  <a:solidFill>
+                    <a:schemeClr val="lt1"/>
+                  </a:solidFill>
+                  <a:latin typeface="+mn-lt"/>
+                  <a:ea typeface="+mn-ea"/>
+                  <a:cs typeface="+mn-cs"/>
+                </a:defRPr>
+              </a:lvl7pPr>
+              <a:lvl8pPr marL="3200400" algn="l" defTabSz="914400" rtl="0" eaLnBrk="1" latinLnBrk="0" hangingPunct="1">
+                <a:defRPr sz="1800" kern="1200">
+                  <a:solidFill>
+                    <a:schemeClr val="lt1"/>
+                  </a:solidFill>
+                  <a:latin typeface="+mn-lt"/>
+                  <a:ea typeface="+mn-ea"/>
+                  <a:cs typeface="+mn-cs"/>
+                </a:defRPr>
+              </a:lvl8pPr>
+              <a:lvl9pPr marL="3657600" algn="l" defTabSz="914400" rtl="0" eaLnBrk="1" latinLnBrk="0" hangingPunct="1">
+                <a:defRPr sz="1800" kern="1200">
+                  <a:solidFill>
+                    <a:schemeClr val="lt1"/>
+                  </a:solidFill>
+                  <a:latin typeface="+mn-lt"/>
+                  <a:ea typeface="+mn-ea"/>
+                  <a:cs typeface="+mn-cs"/>
+                </a:defRPr>
+              </a:lvl9pPr>
+            </a:lstStyle>
+            <a:p>
+              <a:pPr algn="ctr"/>
+              <a:endParaRPr lang="zh-CN" altLang="en-US"/>
+            </a:p>
+          </p:txBody>
+        </p:sp>
+        <p:sp>
+          <p:nvSpPr>
+            <p:cNvPr id="9" name="椭圆 8"/>
+            <p:cNvSpPr/>
+            <p:nvPr/>
+          </p:nvSpPr>
+          <p:spPr>
+            <a:xfrm>
+              <a:off x="5063319" y="1363151"/>
+              <a:ext cx="655094" cy="588479"/>
+            </a:xfrm>
+            <a:prstGeom prst="ellipse">
+              <a:avLst/>
+            </a:prstGeom>
+            <a:solidFill>
+              <a:srgbClr val="FF0000">
+                <a:alpha val="0"/>
+              </a:srgbClr>
+            </a:solidFill>
+            <a:ln w="19050">
+              <a:solidFill>
+                <a:srgbClr val="FF0000"/>
+              </a:solidFill>
+            </a:ln>
+          </p:spPr>
+          <p:style>
+            <a:lnRef idx="2">
+              <a:schemeClr val="accent1">
+                <a:shade val="50000"/>
+              </a:schemeClr>
+            </a:lnRef>
+            <a:fillRef idx="1">
+              <a:schemeClr val="accent1"/>
+            </a:fillRef>
+            <a:effectRef idx="0">
+              <a:schemeClr val="accent1"/>
+            </a:effectRef>
+            <a:fontRef idx="minor">
+              <a:schemeClr val="lt1"/>
+            </a:fontRef>
+          </p:style>
+          <p:txBody>
+            <a:bodyPr rot="0" spcFirstLastPara="0" vert="horz" wrap="square" lIns="91440" tIns="45720" rIns="91440" bIns="45720" numCol="1" spcCol="0" rtlCol="0" fromWordArt="0" anchor="ctr" anchorCtr="0" forceAA="0" compatLnSpc="1">
+              <a:prstTxWarp prst="textNoShape">
+                <a:avLst/>
+              </a:prstTxWarp>
+              <a:noAutofit/>
+            </a:bodyPr>
+            <a:lstStyle>
+              <a:defPPr>
+                <a:defRPr lang="zh-CN"/>
+              </a:defPPr>
+              <a:lvl1pPr marL="0" algn="l" defTabSz="914400" rtl="0" eaLnBrk="1" latinLnBrk="0" hangingPunct="1">
+                <a:defRPr sz="1800" kern="1200">
+                  <a:solidFill>
+                    <a:schemeClr val="lt1"/>
+                  </a:solidFill>
+                  <a:latin typeface="+mn-lt"/>
+                  <a:ea typeface="+mn-ea"/>
+                  <a:cs typeface="+mn-cs"/>
+                </a:defRPr>
+              </a:lvl1pPr>
+              <a:lvl2pPr marL="457200" algn="l" defTabSz="914400" rtl="0" eaLnBrk="1" latinLnBrk="0" hangingPunct="1">
+                <a:defRPr sz="1800" kern="1200">
+                  <a:solidFill>
+                    <a:schemeClr val="lt1"/>
+                  </a:solidFill>
+                  <a:latin typeface="+mn-lt"/>
+                  <a:ea typeface="+mn-ea"/>
+                  <a:cs typeface="+mn-cs"/>
+                </a:defRPr>
+              </a:lvl2pPr>
+              <a:lvl3pPr marL="914400" algn="l" defTabSz="914400" rtl="0" eaLnBrk="1" latinLnBrk="0" hangingPunct="1">
+                <a:defRPr sz="1800" kern="1200">
+                  <a:solidFill>
+                    <a:schemeClr val="lt1"/>
+                  </a:solidFill>
+                  <a:latin typeface="+mn-lt"/>
+                  <a:ea typeface="+mn-ea"/>
+                  <a:cs typeface="+mn-cs"/>
+                </a:defRPr>
+              </a:lvl3pPr>
+              <a:lvl4pPr marL="1371600" algn="l" defTabSz="914400" rtl="0" eaLnBrk="1" latinLnBrk="0" hangingPunct="1">
+                <a:defRPr sz="1800" kern="1200">
+                  <a:solidFill>
+                    <a:schemeClr val="lt1"/>
+                  </a:solidFill>
+                  <a:latin typeface="+mn-lt"/>
+                  <a:ea typeface="+mn-ea"/>
+                  <a:cs typeface="+mn-cs"/>
+                </a:defRPr>
+              </a:lvl4pPr>
+              <a:lvl5pPr marL="1828800" algn="l" defTabSz="914400" rtl="0" eaLnBrk="1" latinLnBrk="0" hangingPunct="1">
+                <a:defRPr sz="1800" kern="1200">
+                  <a:solidFill>
+                    <a:schemeClr val="lt1"/>
+                  </a:solidFill>
+                  <a:latin typeface="+mn-lt"/>
+                  <a:ea typeface="+mn-ea"/>
+                  <a:cs typeface="+mn-cs"/>
+                </a:defRPr>
+              </a:lvl5pPr>
+              <a:lvl6pPr marL="2286000" algn="l" defTabSz="914400" rtl="0" eaLnBrk="1" latinLnBrk="0" hangingPunct="1">
+                <a:defRPr sz="1800" kern="1200">
+                  <a:solidFill>
+                    <a:schemeClr val="lt1"/>
+                  </a:solidFill>
+                  <a:latin typeface="+mn-lt"/>
+                  <a:ea typeface="+mn-ea"/>
+                  <a:cs typeface="+mn-cs"/>
+                </a:defRPr>
+              </a:lvl6pPr>
+              <a:lvl7pPr marL="2743200" algn="l" defTabSz="914400" rtl="0" eaLnBrk="1" latinLnBrk="0" hangingPunct="1">
+                <a:defRPr sz="1800" kern="1200">
+                  <a:solidFill>
+                    <a:schemeClr val="lt1"/>
+                  </a:solidFill>
+                  <a:latin typeface="+mn-lt"/>
+                  <a:ea typeface="+mn-ea"/>
+                  <a:cs typeface="+mn-cs"/>
+                </a:defRPr>
+              </a:lvl7pPr>
+              <a:lvl8pPr marL="3200400" algn="l" defTabSz="914400" rtl="0" eaLnBrk="1" latinLnBrk="0" hangingPunct="1">
+                <a:defRPr sz="1800" kern="1200">
+                  <a:solidFill>
+                    <a:schemeClr val="lt1"/>
+                  </a:solidFill>
+                  <a:latin typeface="+mn-lt"/>
+                  <a:ea typeface="+mn-ea"/>
+                  <a:cs typeface="+mn-cs"/>
+                </a:defRPr>
+              </a:lvl8pPr>
+              <a:lvl9pPr marL="3657600" algn="l" defTabSz="914400" rtl="0" eaLnBrk="1" latinLnBrk="0" hangingPunct="1">
+                <a:defRPr sz="1800" kern="1200">
+                  <a:solidFill>
+                    <a:schemeClr val="lt1"/>
+                  </a:solidFill>
+                  <a:latin typeface="+mn-lt"/>
+                  <a:ea typeface="+mn-ea"/>
+                  <a:cs typeface="+mn-cs"/>
+                </a:defRPr>
+              </a:lvl9pPr>
+            </a:lstStyle>
+            <a:p>
+              <a:pPr algn="ctr"/>
+              <a:endParaRPr lang="zh-CN" altLang="en-US"/>
+            </a:p>
+          </p:txBody>
+        </p:sp>
+        <p:sp>
+          <p:nvSpPr>
+            <p:cNvPr id="10" name="椭圆 9"/>
+            <p:cNvSpPr/>
+            <p:nvPr/>
+          </p:nvSpPr>
+          <p:spPr>
+            <a:xfrm>
+              <a:off x="6596715" y="1847648"/>
+              <a:ext cx="820844" cy="670956"/>
+            </a:xfrm>
+            <a:prstGeom prst="ellipse">
+              <a:avLst/>
+            </a:prstGeom>
+            <a:solidFill>
+              <a:srgbClr val="FF0000">
+                <a:alpha val="0"/>
+              </a:srgbClr>
+            </a:solidFill>
+            <a:ln w="19050">
+              <a:solidFill>
+                <a:srgbClr val="FF0000"/>
+              </a:solidFill>
+            </a:ln>
+          </p:spPr>
+          <p:style>
+            <a:lnRef idx="2">
+              <a:schemeClr val="accent1">
+                <a:shade val="50000"/>
+              </a:schemeClr>
+            </a:lnRef>
+            <a:fillRef idx="1">
+              <a:schemeClr val="accent1"/>
+            </a:fillRef>
+            <a:effectRef idx="0">
+              <a:schemeClr val="accent1"/>
+            </a:effectRef>
+            <a:fontRef idx="minor">
+              <a:schemeClr val="lt1"/>
+            </a:fontRef>
+          </p:style>
+          <p:txBody>
+            <a:bodyPr rot="0" spcFirstLastPara="0" vert="horz" wrap="square" lIns="91440" tIns="45720" rIns="91440" bIns="45720" numCol="1" spcCol="0" rtlCol="0" fromWordArt="0" anchor="ctr" anchorCtr="0" forceAA="0" compatLnSpc="1">
+              <a:prstTxWarp prst="textNoShape">
+                <a:avLst/>
+              </a:prstTxWarp>
+              <a:noAutofit/>
+            </a:bodyPr>
+            <a:lstStyle>
+              <a:defPPr>
+                <a:defRPr lang="zh-CN"/>
+              </a:defPPr>
+              <a:lvl1pPr marL="0" algn="l" defTabSz="914400" rtl="0" eaLnBrk="1" latinLnBrk="0" hangingPunct="1">
+                <a:defRPr sz="1800" kern="1200">
+                  <a:solidFill>
+                    <a:schemeClr val="lt1"/>
+                  </a:solidFill>
+                  <a:latin typeface="+mn-lt"/>
+                  <a:ea typeface="+mn-ea"/>
+                  <a:cs typeface="+mn-cs"/>
+                </a:defRPr>
+              </a:lvl1pPr>
+              <a:lvl2pPr marL="457200" algn="l" defTabSz="914400" rtl="0" eaLnBrk="1" latinLnBrk="0" hangingPunct="1">
+                <a:defRPr sz="1800" kern="1200">
+                  <a:solidFill>
+                    <a:schemeClr val="lt1"/>
+                  </a:solidFill>
+                  <a:latin typeface="+mn-lt"/>
+                  <a:ea typeface="+mn-ea"/>
+                  <a:cs typeface="+mn-cs"/>
+                </a:defRPr>
+              </a:lvl2pPr>
+              <a:lvl3pPr marL="914400" algn="l" defTabSz="914400" rtl="0" eaLnBrk="1" latinLnBrk="0" hangingPunct="1">
+                <a:defRPr sz="1800" kern="1200">
+                  <a:solidFill>
+                    <a:schemeClr val="lt1"/>
+                  </a:solidFill>
+                  <a:latin typeface="+mn-lt"/>
+                  <a:ea typeface="+mn-ea"/>
+                  <a:cs typeface="+mn-cs"/>
+                </a:defRPr>
+              </a:lvl3pPr>
+              <a:lvl4pPr marL="1371600" algn="l" defTabSz="914400" rtl="0" eaLnBrk="1" latinLnBrk="0" hangingPunct="1">
+                <a:defRPr sz="1800" kern="1200">
+                  <a:solidFill>
+                    <a:schemeClr val="lt1"/>
+                  </a:solidFill>
+                  <a:latin typeface="+mn-lt"/>
+                  <a:ea typeface="+mn-ea"/>
+                  <a:cs typeface="+mn-cs"/>
+                </a:defRPr>
+              </a:lvl4pPr>
+              <a:lvl5pPr marL="1828800" algn="l" defTabSz="914400" rtl="0" eaLnBrk="1" latinLnBrk="0" hangingPunct="1">
+                <a:defRPr sz="1800" kern="1200">
+                  <a:solidFill>
+                    <a:schemeClr val="lt1"/>
+                  </a:solidFill>
+                  <a:latin typeface="+mn-lt"/>
+                  <a:ea typeface="+mn-ea"/>
+                  <a:cs typeface="+mn-cs"/>
+                </a:defRPr>
+              </a:lvl5pPr>
+              <a:lvl6pPr marL="2286000" algn="l" defTabSz="914400" rtl="0" eaLnBrk="1" latinLnBrk="0" hangingPunct="1">
+                <a:defRPr sz="1800" kern="1200">
+                  <a:solidFill>
+                    <a:schemeClr val="lt1"/>
+                  </a:solidFill>
+                  <a:latin typeface="+mn-lt"/>
+                  <a:ea typeface="+mn-ea"/>
+                  <a:cs typeface="+mn-cs"/>
+                </a:defRPr>
+              </a:lvl6pPr>
+              <a:lvl7pPr marL="2743200" algn="l" defTabSz="914400" rtl="0" eaLnBrk="1" latinLnBrk="0" hangingPunct="1">
+                <a:defRPr sz="1800" kern="1200">
+                  <a:solidFill>
+                    <a:schemeClr val="lt1"/>
+                  </a:solidFill>
+                  <a:latin typeface="+mn-lt"/>
+                  <a:ea typeface="+mn-ea"/>
+                  <a:cs typeface="+mn-cs"/>
+                </a:defRPr>
+              </a:lvl7pPr>
+              <a:lvl8pPr marL="3200400" algn="l" defTabSz="914400" rtl="0" eaLnBrk="1" latinLnBrk="0" hangingPunct="1">
+                <a:defRPr sz="1800" kern="1200">
+                  <a:solidFill>
+                    <a:schemeClr val="lt1"/>
+                  </a:solidFill>
+                  <a:latin typeface="+mn-lt"/>
+                  <a:ea typeface="+mn-ea"/>
+                  <a:cs typeface="+mn-cs"/>
+                </a:defRPr>
+              </a:lvl8pPr>
+              <a:lvl9pPr marL="3657600" algn="l" defTabSz="914400" rtl="0" eaLnBrk="1" latinLnBrk="0" hangingPunct="1">
+                <a:defRPr sz="1800" kern="1200">
+                  <a:solidFill>
+                    <a:schemeClr val="lt1"/>
+                  </a:solidFill>
+                  <a:latin typeface="+mn-lt"/>
+                  <a:ea typeface="+mn-ea"/>
+                  <a:cs typeface="+mn-cs"/>
+                </a:defRPr>
+              </a:lvl9pPr>
+            </a:lstStyle>
+            <a:p>
+              <a:pPr algn="ctr"/>
+              <a:endParaRPr lang="zh-CN" altLang="en-US"/>
+            </a:p>
+          </p:txBody>
+        </p:sp>
+        <p:sp>
+          <p:nvSpPr>
+            <p:cNvPr id="11" name="文本框 9"/>
+            <p:cNvSpPr txBox="1"/>
+            <p:nvPr/>
+          </p:nvSpPr>
+          <p:spPr>
+            <a:xfrm>
+              <a:off x="6769290" y="484496"/>
+              <a:ext cx="648269" cy="369332"/>
+            </a:xfrm>
+            <a:prstGeom prst="rect">
+              <a:avLst/>
+            </a:prstGeom>
+            <a:noFill/>
+          </p:spPr>
+          <p:txBody>
+            <a:bodyPr wrap="square" rtlCol="0">
+              <a:spAutoFit/>
+            </a:bodyPr>
+            <a:lstStyle>
+              <a:defPPr>
+                <a:defRPr lang="zh-CN"/>
+              </a:defPPr>
+              <a:lvl1pPr marL="0" algn="l" defTabSz="914400" rtl="0" eaLnBrk="1" latinLnBrk="0" hangingPunct="1">
+                <a:defRPr sz="1800" kern="1200">
+                  <a:solidFill>
+                    <a:schemeClr val="tx1"/>
+                  </a:solidFill>
+                  <a:latin typeface="+mn-lt"/>
+                  <a:ea typeface="+mn-ea"/>
+                  <a:cs typeface="+mn-cs"/>
+                </a:defRPr>
+              </a:lvl1pPr>
+              <a:lvl2pPr marL="457200" algn="l" defTabSz="914400" rtl="0" eaLnBrk="1" latinLnBrk="0" hangingPunct="1">
+                <a:defRPr sz="1800" kern="1200">
+                  <a:solidFill>
+                    <a:schemeClr val="tx1"/>
+                  </a:solidFill>
+                  <a:latin typeface="+mn-lt"/>
+                  <a:ea typeface="+mn-ea"/>
+                  <a:cs typeface="+mn-cs"/>
+                </a:defRPr>
+              </a:lvl2pPr>
+              <a:lvl3pPr marL="914400" algn="l" defTabSz="914400" rtl="0" eaLnBrk="1" latinLnBrk="0" hangingPunct="1">
+                <a:defRPr sz="1800" kern="1200">
+                  <a:solidFill>
+                    <a:schemeClr val="tx1"/>
+                  </a:solidFill>
+                  <a:latin typeface="+mn-lt"/>
+                  <a:ea typeface="+mn-ea"/>
+                  <a:cs typeface="+mn-cs"/>
+                </a:defRPr>
+              </a:lvl3pPr>
+              <a:lvl4pPr marL="1371600" algn="l" defTabSz="914400" rtl="0" eaLnBrk="1" latinLnBrk="0" hangingPunct="1">
+                <a:defRPr sz="1800" kern="1200">
+                  <a:solidFill>
+                    <a:schemeClr val="tx1"/>
+                  </a:solidFill>
+                  <a:latin typeface="+mn-lt"/>
+                  <a:ea typeface="+mn-ea"/>
+                  <a:cs typeface="+mn-cs"/>
+                </a:defRPr>
+              </a:lvl4pPr>
+              <a:lvl5pPr marL="1828800" algn="l" defTabSz="914400" rtl="0" eaLnBrk="1" latinLnBrk="0" hangingPunct="1">
+                <a:defRPr sz="1800" kern="1200">
+                  <a:solidFill>
+                    <a:schemeClr val="tx1"/>
+                  </a:solidFill>
+                  <a:latin typeface="+mn-lt"/>
+                  <a:ea typeface="+mn-ea"/>
+                  <a:cs typeface="+mn-cs"/>
+                </a:defRPr>
+              </a:lvl5pPr>
+              <a:lvl6pPr marL="2286000" algn="l" defTabSz="914400" rtl="0" eaLnBrk="1" latinLnBrk="0" hangingPunct="1">
+                <a:defRPr sz="1800" kern="1200">
+                  <a:solidFill>
+                    <a:schemeClr val="tx1"/>
+                  </a:solidFill>
+                  <a:latin typeface="+mn-lt"/>
+                  <a:ea typeface="+mn-ea"/>
+                  <a:cs typeface="+mn-cs"/>
+                </a:defRPr>
+              </a:lvl6pPr>
+              <a:lvl7pPr marL="2743200" algn="l" defTabSz="914400" rtl="0" eaLnBrk="1" latinLnBrk="0" hangingPunct="1">
+                <a:defRPr sz="1800" kern="1200">
+                  <a:solidFill>
+                    <a:schemeClr val="tx1"/>
+                  </a:solidFill>
+                  <a:latin typeface="+mn-lt"/>
+                  <a:ea typeface="+mn-ea"/>
+                  <a:cs typeface="+mn-cs"/>
+                </a:defRPr>
+              </a:lvl7pPr>
+              <a:lvl8pPr marL="3200400" algn="l" defTabSz="914400" rtl="0" eaLnBrk="1" latinLnBrk="0" hangingPunct="1">
+                <a:defRPr sz="1800" kern="1200">
+                  <a:solidFill>
+                    <a:schemeClr val="tx1"/>
+                  </a:solidFill>
+                  <a:latin typeface="+mn-lt"/>
+                  <a:ea typeface="+mn-ea"/>
+                  <a:cs typeface="+mn-cs"/>
+                </a:defRPr>
+              </a:lvl8pPr>
+              <a:lvl9pPr marL="3657600" algn="l" defTabSz="914400" rtl="0" eaLnBrk="1" latinLnBrk="0" hangingPunct="1">
+                <a:defRPr sz="1800" kern="1200">
+                  <a:solidFill>
+                    <a:schemeClr val="tx1"/>
+                  </a:solidFill>
+                  <a:latin typeface="+mn-lt"/>
+                  <a:ea typeface="+mn-ea"/>
+                  <a:cs typeface="+mn-cs"/>
+                </a:defRPr>
+              </a:lvl9pPr>
+            </a:lstStyle>
+            <a:p>
+              <a:r>
+                <a:rPr lang="en-US" altLang="zh-CN" dirty="0" smtClean="0">
+                  <a:solidFill>
+                    <a:srgbClr val="FF0000"/>
+                  </a:solidFill>
+                </a:rPr>
+                <a:t>1</a:t>
+              </a:r>
+              <a:r>
+                <a:rPr lang="zh-CN" altLang="en-US" dirty="0" smtClean="0">
+                  <a:solidFill>
+                    <a:srgbClr val="FF0000"/>
+                  </a:solidFill>
+                </a:rPr>
+                <a:t>）</a:t>
+              </a:r>
+              <a:endParaRPr lang="zh-CN" altLang="en-US" dirty="0">
+                <a:solidFill>
+                  <a:srgbClr val="FF0000"/>
+                </a:solidFill>
+              </a:endParaRPr>
+            </a:p>
+          </p:txBody>
+        </p:sp>
+        <p:sp>
+          <p:nvSpPr>
+            <p:cNvPr id="12" name="文本框 10"/>
+            <p:cNvSpPr txBox="1"/>
+            <p:nvPr/>
+          </p:nvSpPr>
+          <p:spPr>
+            <a:xfrm>
+              <a:off x="3487003" y="1630907"/>
+              <a:ext cx="859809" cy="368490"/>
+            </a:xfrm>
+            <a:prstGeom prst="rect">
+              <a:avLst/>
+            </a:prstGeom>
+            <a:noFill/>
+          </p:spPr>
+          <p:txBody>
+            <a:bodyPr wrap="square" rtlCol="0">
+              <a:spAutoFit/>
+            </a:bodyPr>
+            <a:lstStyle>
+              <a:defPPr>
+                <a:defRPr lang="zh-CN"/>
+              </a:defPPr>
+              <a:lvl1pPr marL="0" algn="l" defTabSz="914400" rtl="0" eaLnBrk="1" latinLnBrk="0" hangingPunct="1">
+                <a:defRPr sz="1800" kern="1200">
+                  <a:solidFill>
+                    <a:schemeClr val="tx1"/>
+                  </a:solidFill>
+                  <a:latin typeface="+mn-lt"/>
+                  <a:ea typeface="+mn-ea"/>
+                  <a:cs typeface="+mn-cs"/>
+                </a:defRPr>
+              </a:lvl1pPr>
+              <a:lvl2pPr marL="457200" algn="l" defTabSz="914400" rtl="0" eaLnBrk="1" latinLnBrk="0" hangingPunct="1">
+                <a:defRPr sz="1800" kern="1200">
+                  <a:solidFill>
+                    <a:schemeClr val="tx1"/>
+                  </a:solidFill>
+                  <a:latin typeface="+mn-lt"/>
+                  <a:ea typeface="+mn-ea"/>
+                  <a:cs typeface="+mn-cs"/>
+                </a:defRPr>
+              </a:lvl2pPr>
+              <a:lvl3pPr marL="914400" algn="l" defTabSz="914400" rtl="0" eaLnBrk="1" latinLnBrk="0" hangingPunct="1">
+                <a:defRPr sz="1800" kern="1200">
+                  <a:solidFill>
+                    <a:schemeClr val="tx1"/>
+                  </a:solidFill>
+                  <a:latin typeface="+mn-lt"/>
+                  <a:ea typeface="+mn-ea"/>
+                  <a:cs typeface="+mn-cs"/>
+                </a:defRPr>
+              </a:lvl3pPr>
+              <a:lvl4pPr marL="1371600" algn="l" defTabSz="914400" rtl="0" eaLnBrk="1" latinLnBrk="0" hangingPunct="1">
+                <a:defRPr sz="1800" kern="1200">
+                  <a:solidFill>
+                    <a:schemeClr val="tx1"/>
+                  </a:solidFill>
+                  <a:latin typeface="+mn-lt"/>
+                  <a:ea typeface="+mn-ea"/>
+                  <a:cs typeface="+mn-cs"/>
+                </a:defRPr>
+              </a:lvl4pPr>
+              <a:lvl5pPr marL="1828800" algn="l" defTabSz="914400" rtl="0" eaLnBrk="1" latinLnBrk="0" hangingPunct="1">
+                <a:defRPr sz="1800" kern="1200">
+                  <a:solidFill>
+                    <a:schemeClr val="tx1"/>
+                  </a:solidFill>
+                  <a:latin typeface="+mn-lt"/>
+                  <a:ea typeface="+mn-ea"/>
+                  <a:cs typeface="+mn-cs"/>
+                </a:defRPr>
+              </a:lvl5pPr>
+              <a:lvl6pPr marL="2286000" algn="l" defTabSz="914400" rtl="0" eaLnBrk="1" latinLnBrk="0" hangingPunct="1">
+                <a:defRPr sz="1800" kern="1200">
+                  <a:solidFill>
+                    <a:schemeClr val="tx1"/>
+                  </a:solidFill>
+                  <a:latin typeface="+mn-lt"/>
+                  <a:ea typeface="+mn-ea"/>
+                  <a:cs typeface="+mn-cs"/>
+                </a:defRPr>
+              </a:lvl6pPr>
+              <a:lvl7pPr marL="2743200" algn="l" defTabSz="914400" rtl="0" eaLnBrk="1" latinLnBrk="0" hangingPunct="1">
+                <a:defRPr sz="1800" kern="1200">
+                  <a:solidFill>
+                    <a:schemeClr val="tx1"/>
+                  </a:solidFill>
+                  <a:latin typeface="+mn-lt"/>
+                  <a:ea typeface="+mn-ea"/>
+                  <a:cs typeface="+mn-cs"/>
+                </a:defRPr>
+              </a:lvl7pPr>
+              <a:lvl8pPr marL="3200400" algn="l" defTabSz="914400" rtl="0" eaLnBrk="1" latinLnBrk="0" hangingPunct="1">
+                <a:defRPr sz="1800" kern="1200">
+                  <a:solidFill>
+                    <a:schemeClr val="tx1"/>
+                  </a:solidFill>
+                  <a:latin typeface="+mn-lt"/>
+                  <a:ea typeface="+mn-ea"/>
+                  <a:cs typeface="+mn-cs"/>
+                </a:defRPr>
+              </a:lvl8pPr>
+              <a:lvl9pPr marL="3657600" algn="l" defTabSz="914400" rtl="0" eaLnBrk="1" latinLnBrk="0" hangingPunct="1">
+                <a:defRPr sz="1800" kern="1200">
+                  <a:solidFill>
+                    <a:schemeClr val="tx1"/>
+                  </a:solidFill>
+                  <a:latin typeface="+mn-lt"/>
+                  <a:ea typeface="+mn-ea"/>
+                  <a:cs typeface="+mn-cs"/>
+                </a:defRPr>
+              </a:lvl9pPr>
+            </a:lstStyle>
+            <a:p>
+              <a:r>
+                <a:rPr lang="en-US" altLang="zh-CN" dirty="0" smtClean="0">
+                  <a:solidFill>
+                    <a:srgbClr val="FF0000"/>
+                  </a:solidFill>
+                </a:rPr>
+                <a:t>3</a:t>
+              </a:r>
+              <a:r>
+                <a:rPr lang="zh-CN" altLang="en-US" dirty="0" smtClean="0">
+                  <a:solidFill>
+                    <a:srgbClr val="FF0000"/>
+                  </a:solidFill>
+                </a:rPr>
+                <a:t>）</a:t>
+              </a:r>
+              <a:endParaRPr lang="zh-CN" altLang="en-US" dirty="0">
+                <a:solidFill>
+                  <a:srgbClr val="FF0000"/>
+                </a:solidFill>
+              </a:endParaRPr>
+            </a:p>
+          </p:txBody>
+        </p:sp>
+        <p:sp>
+          <p:nvSpPr>
+            <p:cNvPr id="13" name="文本框 11"/>
+            <p:cNvSpPr txBox="1"/>
+            <p:nvPr/>
+          </p:nvSpPr>
+          <p:spPr>
+            <a:xfrm>
+              <a:off x="2060812" y="3910675"/>
+              <a:ext cx="682388" cy="369332"/>
+            </a:xfrm>
+            <a:prstGeom prst="rect">
+              <a:avLst/>
+            </a:prstGeom>
+            <a:noFill/>
+          </p:spPr>
+          <p:txBody>
+            <a:bodyPr wrap="square" rtlCol="0">
+              <a:spAutoFit/>
+            </a:bodyPr>
+            <a:lstStyle>
+              <a:defPPr>
+                <a:defRPr lang="zh-CN"/>
+              </a:defPPr>
+              <a:lvl1pPr marL="0" algn="l" defTabSz="914400" rtl="0" eaLnBrk="1" latinLnBrk="0" hangingPunct="1">
+                <a:defRPr sz="1800" kern="1200">
+                  <a:solidFill>
+                    <a:schemeClr val="tx1"/>
+                  </a:solidFill>
+                  <a:latin typeface="+mn-lt"/>
+                  <a:ea typeface="+mn-ea"/>
+                  <a:cs typeface="+mn-cs"/>
+                </a:defRPr>
+              </a:lvl1pPr>
+              <a:lvl2pPr marL="457200" algn="l" defTabSz="914400" rtl="0" eaLnBrk="1" latinLnBrk="0" hangingPunct="1">
+                <a:defRPr sz="1800" kern="1200">
+                  <a:solidFill>
+                    <a:schemeClr val="tx1"/>
+                  </a:solidFill>
+                  <a:latin typeface="+mn-lt"/>
+                  <a:ea typeface="+mn-ea"/>
+                  <a:cs typeface="+mn-cs"/>
+                </a:defRPr>
+              </a:lvl2pPr>
+              <a:lvl3pPr marL="914400" algn="l" defTabSz="914400" rtl="0" eaLnBrk="1" latinLnBrk="0" hangingPunct="1">
+                <a:defRPr sz="1800" kern="1200">
+                  <a:solidFill>
+                    <a:schemeClr val="tx1"/>
+                  </a:solidFill>
+                  <a:latin typeface="+mn-lt"/>
+                  <a:ea typeface="+mn-ea"/>
+                  <a:cs typeface="+mn-cs"/>
+                </a:defRPr>
+              </a:lvl3pPr>
+              <a:lvl4pPr marL="1371600" algn="l" defTabSz="914400" rtl="0" eaLnBrk="1" latinLnBrk="0" hangingPunct="1">
+                <a:defRPr sz="1800" kern="1200">
+                  <a:solidFill>
+                    <a:schemeClr val="tx1"/>
+                  </a:solidFill>
+                  <a:latin typeface="+mn-lt"/>
+                  <a:ea typeface="+mn-ea"/>
+                  <a:cs typeface="+mn-cs"/>
+                </a:defRPr>
+              </a:lvl4pPr>
+              <a:lvl5pPr marL="1828800" algn="l" defTabSz="914400" rtl="0" eaLnBrk="1" latinLnBrk="0" hangingPunct="1">
+                <a:defRPr sz="1800" kern="1200">
+                  <a:solidFill>
+                    <a:schemeClr val="tx1"/>
+                  </a:solidFill>
+                  <a:latin typeface="+mn-lt"/>
+                  <a:ea typeface="+mn-ea"/>
+                  <a:cs typeface="+mn-cs"/>
+                </a:defRPr>
+              </a:lvl5pPr>
+              <a:lvl6pPr marL="2286000" algn="l" defTabSz="914400" rtl="0" eaLnBrk="1" latinLnBrk="0" hangingPunct="1">
+                <a:defRPr sz="1800" kern="1200">
+                  <a:solidFill>
+                    <a:schemeClr val="tx1"/>
+                  </a:solidFill>
+                  <a:latin typeface="+mn-lt"/>
+                  <a:ea typeface="+mn-ea"/>
+                  <a:cs typeface="+mn-cs"/>
+                </a:defRPr>
+              </a:lvl6pPr>
+              <a:lvl7pPr marL="2743200" algn="l" defTabSz="914400" rtl="0" eaLnBrk="1" latinLnBrk="0" hangingPunct="1">
+                <a:defRPr sz="1800" kern="1200">
+                  <a:solidFill>
+                    <a:schemeClr val="tx1"/>
+                  </a:solidFill>
+                  <a:latin typeface="+mn-lt"/>
+                  <a:ea typeface="+mn-ea"/>
+                  <a:cs typeface="+mn-cs"/>
+                </a:defRPr>
+              </a:lvl7pPr>
+              <a:lvl8pPr marL="3200400" algn="l" defTabSz="914400" rtl="0" eaLnBrk="1" latinLnBrk="0" hangingPunct="1">
+                <a:defRPr sz="1800" kern="1200">
+                  <a:solidFill>
+                    <a:schemeClr val="tx1"/>
+                  </a:solidFill>
+                  <a:latin typeface="+mn-lt"/>
+                  <a:ea typeface="+mn-ea"/>
+                  <a:cs typeface="+mn-cs"/>
+                </a:defRPr>
+              </a:lvl8pPr>
+              <a:lvl9pPr marL="3657600" algn="l" defTabSz="914400" rtl="0" eaLnBrk="1" latinLnBrk="0" hangingPunct="1">
+                <a:defRPr sz="1800" kern="1200">
+                  <a:solidFill>
+                    <a:schemeClr val="tx1"/>
+                  </a:solidFill>
+                  <a:latin typeface="+mn-lt"/>
+                  <a:ea typeface="+mn-ea"/>
+                  <a:cs typeface="+mn-cs"/>
+                </a:defRPr>
+              </a:lvl9pPr>
+            </a:lstStyle>
+            <a:p>
+              <a:r>
+                <a:rPr lang="en-US" altLang="zh-CN" dirty="0" smtClean="0">
+                  <a:solidFill>
+                    <a:srgbClr val="FF0000"/>
+                  </a:solidFill>
+                </a:rPr>
+                <a:t>5</a:t>
+              </a:r>
+              <a:r>
+                <a:rPr lang="zh-CN" altLang="en-US" dirty="0" smtClean="0">
+                  <a:solidFill>
+                    <a:srgbClr val="FF0000"/>
+                  </a:solidFill>
+                </a:rPr>
+                <a:t>）</a:t>
+              </a:r>
+              <a:endParaRPr lang="zh-CN" altLang="en-US" dirty="0">
+                <a:solidFill>
+                  <a:srgbClr val="FF0000"/>
+                </a:solidFill>
+              </a:endParaRPr>
+            </a:p>
+          </p:txBody>
+        </p:sp>
+        <p:sp>
+          <p:nvSpPr>
+            <p:cNvPr id="14" name="文本框 12"/>
+            <p:cNvSpPr txBox="1"/>
+            <p:nvPr/>
+          </p:nvSpPr>
+          <p:spPr>
+            <a:xfrm>
+              <a:off x="4674358" y="2156346"/>
+              <a:ext cx="825690" cy="369332"/>
+            </a:xfrm>
+            <a:prstGeom prst="rect">
+              <a:avLst/>
+            </a:prstGeom>
+            <a:noFill/>
+          </p:spPr>
+          <p:txBody>
+            <a:bodyPr wrap="square" rtlCol="0">
+              <a:spAutoFit/>
+            </a:bodyPr>
+            <a:lstStyle>
+              <a:defPPr>
+                <a:defRPr lang="zh-CN"/>
+              </a:defPPr>
+              <a:lvl1pPr marL="0" algn="l" defTabSz="914400" rtl="0" eaLnBrk="1" latinLnBrk="0" hangingPunct="1">
+                <a:defRPr sz="1800" kern="1200">
+                  <a:solidFill>
+                    <a:schemeClr val="tx1"/>
+                  </a:solidFill>
+                  <a:latin typeface="+mn-lt"/>
+                  <a:ea typeface="+mn-ea"/>
+                  <a:cs typeface="+mn-cs"/>
+                </a:defRPr>
+              </a:lvl1pPr>
+              <a:lvl2pPr marL="457200" algn="l" defTabSz="914400" rtl="0" eaLnBrk="1" latinLnBrk="0" hangingPunct="1">
+                <a:defRPr sz="1800" kern="1200">
+                  <a:solidFill>
+                    <a:schemeClr val="tx1"/>
+                  </a:solidFill>
+                  <a:latin typeface="+mn-lt"/>
+                  <a:ea typeface="+mn-ea"/>
+                  <a:cs typeface="+mn-cs"/>
+                </a:defRPr>
+              </a:lvl2pPr>
+              <a:lvl3pPr marL="914400" algn="l" defTabSz="914400" rtl="0" eaLnBrk="1" latinLnBrk="0" hangingPunct="1">
+                <a:defRPr sz="1800" kern="1200">
+                  <a:solidFill>
+                    <a:schemeClr val="tx1"/>
+                  </a:solidFill>
+                  <a:latin typeface="+mn-lt"/>
+                  <a:ea typeface="+mn-ea"/>
+                  <a:cs typeface="+mn-cs"/>
+                </a:defRPr>
+              </a:lvl3pPr>
+              <a:lvl4pPr marL="1371600" algn="l" defTabSz="914400" rtl="0" eaLnBrk="1" latinLnBrk="0" hangingPunct="1">
+                <a:defRPr sz="1800" kern="1200">
+                  <a:solidFill>
+                    <a:schemeClr val="tx1"/>
+                  </a:solidFill>
+                  <a:latin typeface="+mn-lt"/>
+                  <a:ea typeface="+mn-ea"/>
+                  <a:cs typeface="+mn-cs"/>
+                </a:defRPr>
+              </a:lvl4pPr>
+              <a:lvl5pPr marL="1828800" algn="l" defTabSz="914400" rtl="0" eaLnBrk="1" latinLnBrk="0" hangingPunct="1">
+                <a:defRPr sz="1800" kern="1200">
+                  <a:solidFill>
+                    <a:schemeClr val="tx1"/>
+                  </a:solidFill>
+                  <a:latin typeface="+mn-lt"/>
+                  <a:ea typeface="+mn-ea"/>
+                  <a:cs typeface="+mn-cs"/>
+                </a:defRPr>
+              </a:lvl5pPr>
+              <a:lvl6pPr marL="2286000" algn="l" defTabSz="914400" rtl="0" eaLnBrk="1" latinLnBrk="0" hangingPunct="1">
+                <a:defRPr sz="1800" kern="1200">
+                  <a:solidFill>
+                    <a:schemeClr val="tx1"/>
+                  </a:solidFill>
+                  <a:latin typeface="+mn-lt"/>
+                  <a:ea typeface="+mn-ea"/>
+                  <a:cs typeface="+mn-cs"/>
+                </a:defRPr>
+              </a:lvl6pPr>
+              <a:lvl7pPr marL="2743200" algn="l" defTabSz="914400" rtl="0" eaLnBrk="1" latinLnBrk="0" hangingPunct="1">
+                <a:defRPr sz="1800" kern="1200">
+                  <a:solidFill>
+                    <a:schemeClr val="tx1"/>
+                  </a:solidFill>
+                  <a:latin typeface="+mn-lt"/>
+                  <a:ea typeface="+mn-ea"/>
+                  <a:cs typeface="+mn-cs"/>
+                </a:defRPr>
+              </a:lvl7pPr>
+              <a:lvl8pPr marL="3200400" algn="l" defTabSz="914400" rtl="0" eaLnBrk="1" latinLnBrk="0" hangingPunct="1">
+                <a:defRPr sz="1800" kern="1200">
+                  <a:solidFill>
+                    <a:schemeClr val="tx1"/>
+                  </a:solidFill>
+                  <a:latin typeface="+mn-lt"/>
+                  <a:ea typeface="+mn-ea"/>
+                  <a:cs typeface="+mn-cs"/>
+                </a:defRPr>
+              </a:lvl8pPr>
+              <a:lvl9pPr marL="3657600" algn="l" defTabSz="914400" rtl="0" eaLnBrk="1" latinLnBrk="0" hangingPunct="1">
+                <a:defRPr sz="1800" kern="1200">
+                  <a:solidFill>
+                    <a:schemeClr val="tx1"/>
+                  </a:solidFill>
+                  <a:latin typeface="+mn-lt"/>
+                  <a:ea typeface="+mn-ea"/>
+                  <a:cs typeface="+mn-cs"/>
+                </a:defRPr>
+              </a:lvl9pPr>
+            </a:lstStyle>
+            <a:p>
+              <a:r>
+                <a:rPr lang="en-US" altLang="zh-CN" dirty="0" smtClean="0">
+                  <a:solidFill>
+                    <a:srgbClr val="FF0000"/>
+                  </a:solidFill>
+                </a:rPr>
+                <a:t>4</a:t>
+              </a:r>
+              <a:r>
+                <a:rPr lang="zh-CN" altLang="en-US" dirty="0" smtClean="0">
+                  <a:solidFill>
+                    <a:srgbClr val="FF0000"/>
+                  </a:solidFill>
+                </a:rPr>
+                <a:t>）</a:t>
+              </a:r>
+              <a:endParaRPr lang="zh-CN" altLang="en-US" dirty="0">
+                <a:solidFill>
+                  <a:srgbClr val="FF0000"/>
+                </a:solidFill>
+              </a:endParaRPr>
+            </a:p>
+          </p:txBody>
+        </p:sp>
+        <p:sp>
+          <p:nvSpPr>
+            <p:cNvPr id="15" name="文本框 13"/>
+            <p:cNvSpPr txBox="1"/>
+            <p:nvPr/>
+          </p:nvSpPr>
+          <p:spPr>
+            <a:xfrm>
+              <a:off x="7581331" y="1999397"/>
+              <a:ext cx="525439" cy="369332"/>
+            </a:xfrm>
+            <a:prstGeom prst="rect">
+              <a:avLst/>
+            </a:prstGeom>
+            <a:noFill/>
+          </p:spPr>
+          <p:txBody>
+            <a:bodyPr wrap="square" rtlCol="0">
+              <a:spAutoFit/>
+            </a:bodyPr>
+            <a:lstStyle>
+              <a:defPPr>
+                <a:defRPr lang="zh-CN"/>
+              </a:defPPr>
+              <a:lvl1pPr marL="0" algn="l" defTabSz="914400" rtl="0" eaLnBrk="1" latinLnBrk="0" hangingPunct="1">
+                <a:defRPr sz="1800" kern="1200">
+                  <a:solidFill>
+                    <a:schemeClr val="tx1"/>
+                  </a:solidFill>
+                  <a:latin typeface="+mn-lt"/>
+                  <a:ea typeface="+mn-ea"/>
+                  <a:cs typeface="+mn-cs"/>
+                </a:defRPr>
+              </a:lvl1pPr>
+              <a:lvl2pPr marL="457200" algn="l" defTabSz="914400" rtl="0" eaLnBrk="1" latinLnBrk="0" hangingPunct="1">
+                <a:defRPr sz="1800" kern="1200">
+                  <a:solidFill>
+                    <a:schemeClr val="tx1"/>
+                  </a:solidFill>
+                  <a:latin typeface="+mn-lt"/>
+                  <a:ea typeface="+mn-ea"/>
+                  <a:cs typeface="+mn-cs"/>
+                </a:defRPr>
+              </a:lvl2pPr>
+              <a:lvl3pPr marL="914400" algn="l" defTabSz="914400" rtl="0" eaLnBrk="1" latinLnBrk="0" hangingPunct="1">
+                <a:defRPr sz="1800" kern="1200">
+                  <a:solidFill>
+                    <a:schemeClr val="tx1"/>
+                  </a:solidFill>
+                  <a:latin typeface="+mn-lt"/>
+                  <a:ea typeface="+mn-ea"/>
+                  <a:cs typeface="+mn-cs"/>
+                </a:defRPr>
+              </a:lvl3pPr>
+              <a:lvl4pPr marL="1371600" algn="l" defTabSz="914400" rtl="0" eaLnBrk="1" latinLnBrk="0" hangingPunct="1">
+                <a:defRPr sz="1800" kern="1200">
+                  <a:solidFill>
+                    <a:schemeClr val="tx1"/>
+                  </a:solidFill>
+                  <a:latin typeface="+mn-lt"/>
+                  <a:ea typeface="+mn-ea"/>
+                  <a:cs typeface="+mn-cs"/>
+                </a:defRPr>
+              </a:lvl4pPr>
+              <a:lvl5pPr marL="1828800" algn="l" defTabSz="914400" rtl="0" eaLnBrk="1" latinLnBrk="0" hangingPunct="1">
+                <a:defRPr sz="1800" kern="1200">
+                  <a:solidFill>
+                    <a:schemeClr val="tx1"/>
+                  </a:solidFill>
+                  <a:latin typeface="+mn-lt"/>
+                  <a:ea typeface="+mn-ea"/>
+                  <a:cs typeface="+mn-cs"/>
+                </a:defRPr>
+              </a:lvl5pPr>
+              <a:lvl6pPr marL="2286000" algn="l" defTabSz="914400" rtl="0" eaLnBrk="1" latinLnBrk="0" hangingPunct="1">
+                <a:defRPr sz="1800" kern="1200">
+                  <a:solidFill>
+                    <a:schemeClr val="tx1"/>
+                  </a:solidFill>
+                  <a:latin typeface="+mn-lt"/>
+                  <a:ea typeface="+mn-ea"/>
+                  <a:cs typeface="+mn-cs"/>
+                </a:defRPr>
+              </a:lvl6pPr>
+              <a:lvl7pPr marL="2743200" algn="l" defTabSz="914400" rtl="0" eaLnBrk="1" latinLnBrk="0" hangingPunct="1">
+                <a:defRPr sz="1800" kern="1200">
+                  <a:solidFill>
+                    <a:schemeClr val="tx1"/>
+                  </a:solidFill>
+                  <a:latin typeface="+mn-lt"/>
+                  <a:ea typeface="+mn-ea"/>
+                  <a:cs typeface="+mn-cs"/>
+                </a:defRPr>
+              </a:lvl7pPr>
+              <a:lvl8pPr marL="3200400" algn="l" defTabSz="914400" rtl="0" eaLnBrk="1" latinLnBrk="0" hangingPunct="1">
+                <a:defRPr sz="1800" kern="1200">
+                  <a:solidFill>
+                    <a:schemeClr val="tx1"/>
+                  </a:solidFill>
+                  <a:latin typeface="+mn-lt"/>
+                  <a:ea typeface="+mn-ea"/>
+                  <a:cs typeface="+mn-cs"/>
+                </a:defRPr>
+              </a:lvl8pPr>
+              <a:lvl9pPr marL="3657600" algn="l" defTabSz="914400" rtl="0" eaLnBrk="1" latinLnBrk="0" hangingPunct="1">
+                <a:defRPr sz="1800" kern="1200">
+                  <a:solidFill>
+                    <a:schemeClr val="tx1"/>
+                  </a:solidFill>
+                  <a:latin typeface="+mn-lt"/>
+                  <a:ea typeface="+mn-ea"/>
+                  <a:cs typeface="+mn-cs"/>
+                </a:defRPr>
+              </a:lvl9pPr>
+            </a:lstStyle>
+            <a:p>
+              <a:r>
+                <a:rPr lang="en-US" altLang="zh-CN" dirty="0" smtClean="0">
+                  <a:solidFill>
+                    <a:srgbClr val="FF0000"/>
+                  </a:solidFill>
+                </a:rPr>
+                <a:t>2</a:t>
+              </a:r>
+              <a:r>
+                <a:rPr lang="zh-CN" altLang="en-US" dirty="0" smtClean="0">
+                  <a:solidFill>
+                    <a:srgbClr val="FF0000"/>
+                  </a:solidFill>
+                </a:rPr>
+                <a:t>）</a:t>
+              </a:r>
+              <a:endParaRPr lang="zh-CN" altLang="en-US" dirty="0">
+                <a:solidFill>
+                  <a:srgbClr val="FF0000"/>
+                </a:solidFill>
+              </a:endParaRPr>
+            </a:p>
+          </p:txBody>
+        </p:sp>
+        <p:cxnSp>
+          <p:nvCxnSpPr>
+            <p:cNvPr id="16" name="直接箭头连接符 15"/>
+            <p:cNvCxnSpPr/>
+            <p:nvPr/>
+          </p:nvCxnSpPr>
+          <p:spPr>
+            <a:xfrm flipH="1">
+              <a:off x="2313296" y="3780430"/>
+              <a:ext cx="279779" cy="238836"/>
+            </a:xfrm>
+            <a:prstGeom prst="straightConnector1">
+              <a:avLst/>
+            </a:prstGeom>
+            <a:ln w="12700">
+              <a:solidFill>
+                <a:srgbClr val="FF0000"/>
+              </a:solidFill>
+              <a:tailEnd type="triangle"/>
+            </a:ln>
+          </p:spPr>
+          <p:style>
+            <a:lnRef idx="1">
+              <a:schemeClr val="accent1"/>
+            </a:lnRef>
+            <a:fillRef idx="0">
+              <a:schemeClr val="accent1"/>
+            </a:fillRef>
+            <a:effectRef idx="0">
+              <a:schemeClr val="accent1"/>
+            </a:effectRef>
+            <a:fontRef idx="minor">
+              <a:schemeClr val="tx1"/>
+            </a:fontRef>
+          </p:style>
+        </p:cxnSp>
+        <p:cxnSp>
+          <p:nvCxnSpPr>
+            <p:cNvPr id="17" name="直接箭头连接符 16"/>
+            <p:cNvCxnSpPr/>
+            <p:nvPr/>
+          </p:nvCxnSpPr>
+          <p:spPr>
+            <a:xfrm flipH="1">
+              <a:off x="3707822" y="1363151"/>
+              <a:ext cx="209085" cy="374720"/>
+            </a:xfrm>
+            <a:prstGeom prst="straightConnector1">
+              <a:avLst/>
+            </a:prstGeom>
+            <a:ln w="12700">
+              <a:solidFill>
+                <a:srgbClr val="FF0000"/>
+              </a:solidFill>
+              <a:tailEnd type="triangle"/>
+            </a:ln>
+          </p:spPr>
+          <p:style>
+            <a:lnRef idx="1">
+              <a:schemeClr val="accent1"/>
+            </a:lnRef>
+            <a:fillRef idx="0">
+              <a:schemeClr val="accent1"/>
+            </a:fillRef>
+            <a:effectRef idx="0">
+              <a:schemeClr val="accent1"/>
+            </a:effectRef>
+            <a:fontRef idx="minor">
+              <a:schemeClr val="tx1"/>
+            </a:fontRef>
+          </p:style>
+        </p:cxnSp>
+        <p:cxnSp>
+          <p:nvCxnSpPr>
+            <p:cNvPr id="18" name="直接箭头连接符 17"/>
+            <p:cNvCxnSpPr/>
+            <p:nvPr/>
+          </p:nvCxnSpPr>
+          <p:spPr>
+            <a:xfrm flipH="1">
+              <a:off x="4899547" y="1835919"/>
+              <a:ext cx="388963" cy="420511"/>
+            </a:xfrm>
+            <a:prstGeom prst="straightConnector1">
+              <a:avLst/>
+            </a:prstGeom>
+            <a:ln w="12700">
+              <a:solidFill>
+                <a:srgbClr val="FF0000"/>
+              </a:solidFill>
+              <a:tailEnd type="triangle"/>
+            </a:ln>
+          </p:spPr>
+          <p:style>
+            <a:lnRef idx="1">
+              <a:schemeClr val="accent1"/>
+            </a:lnRef>
+            <a:fillRef idx="0">
+              <a:schemeClr val="accent1"/>
+            </a:fillRef>
+            <a:effectRef idx="0">
+              <a:schemeClr val="accent1"/>
+            </a:effectRef>
+            <a:fontRef idx="minor">
+              <a:schemeClr val="tx1"/>
+            </a:fontRef>
+          </p:style>
+        </p:cxnSp>
+        <p:cxnSp>
+          <p:nvCxnSpPr>
+            <p:cNvPr id="19" name="直接箭头连接符 18"/>
+            <p:cNvCxnSpPr/>
+            <p:nvPr/>
+          </p:nvCxnSpPr>
+          <p:spPr>
+            <a:xfrm flipH="1" flipV="1">
+              <a:off x="7093424" y="726899"/>
+              <a:ext cx="146272" cy="316763"/>
+            </a:xfrm>
+            <a:prstGeom prst="straightConnector1">
+              <a:avLst/>
+            </a:prstGeom>
+            <a:ln w="12700">
+              <a:solidFill>
+                <a:srgbClr val="FF0000"/>
+              </a:solidFill>
+              <a:tailEnd type="triangle"/>
+            </a:ln>
+          </p:spPr>
+          <p:style>
+            <a:lnRef idx="1">
+              <a:schemeClr val="accent1"/>
+            </a:lnRef>
+            <a:fillRef idx="0">
+              <a:schemeClr val="accent1"/>
+            </a:fillRef>
+            <a:effectRef idx="0">
+              <a:schemeClr val="accent1"/>
+            </a:effectRef>
+            <a:fontRef idx="minor">
+              <a:schemeClr val="tx1"/>
+            </a:fontRef>
+          </p:style>
+        </p:cxnSp>
+        <p:cxnSp>
+          <p:nvCxnSpPr>
+            <p:cNvPr id="20" name="直接箭头连接符 19"/>
+            <p:cNvCxnSpPr/>
+            <p:nvPr/>
+          </p:nvCxnSpPr>
+          <p:spPr>
+            <a:xfrm flipV="1">
+              <a:off x="7167532" y="2216474"/>
+              <a:ext cx="477670" cy="22199"/>
+            </a:xfrm>
+            <a:prstGeom prst="straightConnector1">
+              <a:avLst/>
+            </a:prstGeom>
+            <a:ln w="12700">
+              <a:solidFill>
+                <a:srgbClr val="FF0000"/>
+              </a:solidFill>
+              <a:tailEnd type="triangle"/>
+            </a:ln>
+          </p:spPr>
+          <p:style>
+            <a:lnRef idx="1">
+              <a:schemeClr val="accent1"/>
+            </a:lnRef>
+            <a:fillRef idx="0">
+              <a:schemeClr val="accent1"/>
+            </a:fillRef>
+            <a:effectRef idx="0">
+              <a:schemeClr val="accent1"/>
+            </a:effectRef>
+            <a:fontRef idx="minor">
+              <a:schemeClr val="tx1"/>
+            </a:fontRef>
+          </p:style>
+        </p:cxnSp>
+      </p:grpSp>
+    </p:spTree>
+    <p:extLst>
+      <p:ext uri="{BB962C8B-B14F-4D97-AF65-F5344CB8AC3E}">
+        <p14:creationId xmlns:p14="http://schemas.microsoft.com/office/powerpoint/2010/main" val="3500665636"/>
+      </p:ext>
+    </p:extLst>
+  </p:cSld>
+  <p:clrMapOvr>
+    <a:masterClrMapping/>
+  </p:clrMapOvr>
+</p:sld>
+</file>
+
 <file path=ppt/theme/theme1.xml><?xml version="1.0" encoding="utf-8"?>
 <a:theme xmlns:a="http://schemas.openxmlformats.org/drawingml/2006/main" name="Office 主题">
   <a:themeElements>
